--- a/Trash/Выступление.pptx
+++ b/Trash/Выступление.pptx
@@ -6,8 +6,11 @@
   </p:sldMasterIdLst>
   <p:sldIdLst>
     <p:sldId id="256" r:id="rId2"/>
+    <p:sldId id="257" r:id="rId3"/>
+    <p:sldId id="258" r:id="rId4"/>
+    <p:sldId id="259" r:id="rId5"/>
   </p:sldIdLst>
-  <p:sldSz cx="12192000" cy="6858000"/>
+  <p:sldSz cx="9144000" cy="6858000" type="screen4x3"/>
   <p:notesSz cx="6858000" cy="9144000"/>
   <p:defaultTextStyle>
     <a:defPPr>
@@ -136,17 +139,13 @@
         </p:nvSpPr>
         <p:spPr>
           <a:xfrm>
-            <a:off x="1524000" y="1122363"/>
-            <a:ext cx="9144000" cy="2387600"/>
+            <a:off x="685800" y="2130425"/>
+            <a:ext cx="7772400" cy="1470025"/>
           </a:xfrm>
         </p:spPr>
         <p:txBody>
-          <a:bodyPr anchor="b"/>
-          <a:lstStyle>
-            <a:lvl1pPr algn="ctr">
-              <a:defRPr sz="6000"/>
-            </a:lvl1pPr>
-          </a:lstStyle>
+          <a:bodyPr/>
+          <a:lstStyle/>
           <a:p>
             <a:r>
               <a:rPr lang="ru-RU" smtClean="0"/>
@@ -168,8 +167,8 @@
         </p:nvSpPr>
         <p:spPr>
           <a:xfrm>
-            <a:off x="1524000" y="3602038"/>
-            <a:ext cx="9144000" cy="1655762"/>
+            <a:off x="1371600" y="3886200"/>
+            <a:ext cx="6400800" cy="1752600"/>
           </a:xfrm>
         </p:spPr>
         <p:txBody>
@@ -177,39 +176,93 @@
           <a:lstStyle>
             <a:lvl1pPr marL="0" indent="0" algn="ctr">
               <a:buNone/>
-              <a:defRPr sz="2400"/>
+              <a:defRPr>
+                <a:solidFill>
+                  <a:schemeClr val="tx1">
+                    <a:tint val="75000"/>
+                  </a:schemeClr>
+                </a:solidFill>
+              </a:defRPr>
             </a:lvl1pPr>
             <a:lvl2pPr marL="457200" indent="0" algn="ctr">
               <a:buNone/>
-              <a:defRPr sz="2000"/>
+              <a:defRPr>
+                <a:solidFill>
+                  <a:schemeClr val="tx1">
+                    <a:tint val="75000"/>
+                  </a:schemeClr>
+                </a:solidFill>
+              </a:defRPr>
             </a:lvl2pPr>
             <a:lvl3pPr marL="914400" indent="0" algn="ctr">
               <a:buNone/>
-              <a:defRPr sz="1800"/>
+              <a:defRPr>
+                <a:solidFill>
+                  <a:schemeClr val="tx1">
+                    <a:tint val="75000"/>
+                  </a:schemeClr>
+                </a:solidFill>
+              </a:defRPr>
             </a:lvl3pPr>
             <a:lvl4pPr marL="1371600" indent="0" algn="ctr">
               <a:buNone/>
-              <a:defRPr sz="1600"/>
+              <a:defRPr>
+                <a:solidFill>
+                  <a:schemeClr val="tx1">
+                    <a:tint val="75000"/>
+                  </a:schemeClr>
+                </a:solidFill>
+              </a:defRPr>
             </a:lvl4pPr>
             <a:lvl5pPr marL="1828800" indent="0" algn="ctr">
               <a:buNone/>
-              <a:defRPr sz="1600"/>
+              <a:defRPr>
+                <a:solidFill>
+                  <a:schemeClr val="tx1">
+                    <a:tint val="75000"/>
+                  </a:schemeClr>
+                </a:solidFill>
+              </a:defRPr>
             </a:lvl5pPr>
             <a:lvl6pPr marL="2286000" indent="0" algn="ctr">
               <a:buNone/>
-              <a:defRPr sz="1600"/>
+              <a:defRPr>
+                <a:solidFill>
+                  <a:schemeClr val="tx1">
+                    <a:tint val="75000"/>
+                  </a:schemeClr>
+                </a:solidFill>
+              </a:defRPr>
             </a:lvl6pPr>
             <a:lvl7pPr marL="2743200" indent="0" algn="ctr">
               <a:buNone/>
-              <a:defRPr sz="1600"/>
+              <a:defRPr>
+                <a:solidFill>
+                  <a:schemeClr val="tx1">
+                    <a:tint val="75000"/>
+                  </a:schemeClr>
+                </a:solidFill>
+              </a:defRPr>
             </a:lvl7pPr>
             <a:lvl8pPr marL="3200400" indent="0" algn="ctr">
               <a:buNone/>
-              <a:defRPr sz="1600"/>
+              <a:defRPr>
+                <a:solidFill>
+                  <a:schemeClr val="tx1">
+                    <a:tint val="75000"/>
+                  </a:schemeClr>
+                </a:solidFill>
+              </a:defRPr>
             </a:lvl8pPr>
             <a:lvl9pPr marL="3657600" indent="0" algn="ctr">
               <a:buNone/>
-              <a:defRPr sz="1600"/>
+              <a:defRPr>
+                <a:solidFill>
+                  <a:schemeClr val="tx1">
+                    <a:tint val="75000"/>
+                  </a:schemeClr>
+                </a:solidFill>
+              </a:defRPr>
             </a:lvl9pPr>
           </a:lstStyle>
           <a:p>
@@ -236,9 +289,9 @@
           <a:bodyPr/>
           <a:lstStyle/>
           <a:p>
-            <a:fld id="{867552A9-74E1-458F-B68C-63746FFE237B}" type="datetimeFigureOut">
-              <a:rPr lang="ru-RU" smtClean="0"/>
-              <a:t>03.01.2020</a:t>
+            <a:fld id="{7D46B67E-8DBF-4B1B-AF62-A9858E12E222}" type="datetimeFigureOut">
+              <a:rPr lang="ru-RU" smtClean="0"/>
+              <a:t>11.01.2020</a:t>
             </a:fld>
             <a:endParaRPr lang="ru-RU"/>
           </a:p>
@@ -278,7 +331,7 @@
           <a:bodyPr/>
           <a:lstStyle/>
           <a:p>
-            <a:fld id="{203648A8-AD84-4B02-B8DD-56A4AF1098CA}" type="slidenum">
+            <a:fld id="{0FEF8BE8-A424-440C-87CB-780085818B50}" type="slidenum">
               <a:rPr lang="ru-RU" smtClean="0"/>
               <a:t>‹#›</a:t>
             </a:fld>
@@ -289,7 +342,7 @@
     </p:spTree>
     <p:extLst>
       <p:ext uri="{BB962C8B-B14F-4D97-AF65-F5344CB8AC3E}">
-        <p14:creationId xmlns:p14="http://schemas.microsoft.com/office/powerpoint/2010/main" val="12521725"/>
+        <p14:creationId xmlns:p14="http://schemas.microsoft.com/office/powerpoint/2010/main" val="3155254634"/>
       </p:ext>
     </p:extLst>
   </p:cSld>
@@ -406,9 +459,9 @@
           <a:bodyPr/>
           <a:lstStyle/>
           <a:p>
-            <a:fld id="{867552A9-74E1-458F-B68C-63746FFE237B}" type="datetimeFigureOut">
-              <a:rPr lang="ru-RU" smtClean="0"/>
-              <a:t>03.01.2020</a:t>
+            <a:fld id="{7D46B67E-8DBF-4B1B-AF62-A9858E12E222}" type="datetimeFigureOut">
+              <a:rPr lang="ru-RU" smtClean="0"/>
+              <a:t>11.01.2020</a:t>
             </a:fld>
             <a:endParaRPr lang="ru-RU"/>
           </a:p>
@@ -448,7 +501,7 @@
           <a:bodyPr/>
           <a:lstStyle/>
           <a:p>
-            <a:fld id="{203648A8-AD84-4B02-B8DD-56A4AF1098CA}" type="slidenum">
+            <a:fld id="{0FEF8BE8-A424-440C-87CB-780085818B50}" type="slidenum">
               <a:rPr lang="ru-RU" smtClean="0"/>
               <a:t>‹#›</a:t>
             </a:fld>
@@ -459,7 +512,7 @@
     </p:spTree>
     <p:extLst>
       <p:ext uri="{BB962C8B-B14F-4D97-AF65-F5344CB8AC3E}">
-        <p14:creationId xmlns:p14="http://schemas.microsoft.com/office/powerpoint/2010/main" val="3170782079"/>
+        <p14:creationId xmlns:p14="http://schemas.microsoft.com/office/powerpoint/2010/main" val="534443947"/>
       </p:ext>
     </p:extLst>
   </p:cSld>
@@ -498,8 +551,8 @@
         </p:nvSpPr>
         <p:spPr>
           <a:xfrm>
-            <a:off x="8724900" y="365125"/>
-            <a:ext cx="2628900" cy="5811838"/>
+            <a:off x="6629400" y="274638"/>
+            <a:ext cx="2057400" cy="5851525"/>
           </a:xfrm>
         </p:spPr>
         <p:txBody>
@@ -526,8 +579,8 @@
         </p:nvSpPr>
         <p:spPr>
           <a:xfrm>
-            <a:off x="838200" y="365125"/>
-            <a:ext cx="7734300" cy="5811838"/>
+            <a:off x="457200" y="274638"/>
+            <a:ext cx="6019800" cy="5851525"/>
           </a:xfrm>
         </p:spPr>
         <p:txBody>
@@ -586,9 +639,9 @@
           <a:bodyPr/>
           <a:lstStyle/>
           <a:p>
-            <a:fld id="{867552A9-74E1-458F-B68C-63746FFE237B}" type="datetimeFigureOut">
-              <a:rPr lang="ru-RU" smtClean="0"/>
-              <a:t>03.01.2020</a:t>
+            <a:fld id="{7D46B67E-8DBF-4B1B-AF62-A9858E12E222}" type="datetimeFigureOut">
+              <a:rPr lang="ru-RU" smtClean="0"/>
+              <a:t>11.01.2020</a:t>
             </a:fld>
             <a:endParaRPr lang="ru-RU"/>
           </a:p>
@@ -628,7 +681,7 @@
           <a:bodyPr/>
           <a:lstStyle/>
           <a:p>
-            <a:fld id="{203648A8-AD84-4B02-B8DD-56A4AF1098CA}" type="slidenum">
+            <a:fld id="{0FEF8BE8-A424-440C-87CB-780085818B50}" type="slidenum">
               <a:rPr lang="ru-RU" smtClean="0"/>
               <a:t>‹#›</a:t>
             </a:fld>
@@ -639,7 +692,7 @@
     </p:spTree>
     <p:extLst>
       <p:ext uri="{BB962C8B-B14F-4D97-AF65-F5344CB8AC3E}">
-        <p14:creationId xmlns:p14="http://schemas.microsoft.com/office/powerpoint/2010/main" val="1473639923"/>
+        <p14:creationId xmlns:p14="http://schemas.microsoft.com/office/powerpoint/2010/main" val="2052105641"/>
       </p:ext>
     </p:extLst>
   </p:cSld>
@@ -756,9 +809,9 @@
           <a:bodyPr/>
           <a:lstStyle/>
           <a:p>
-            <a:fld id="{867552A9-74E1-458F-B68C-63746FFE237B}" type="datetimeFigureOut">
-              <a:rPr lang="ru-RU" smtClean="0"/>
-              <a:t>03.01.2020</a:t>
+            <a:fld id="{7D46B67E-8DBF-4B1B-AF62-A9858E12E222}" type="datetimeFigureOut">
+              <a:rPr lang="ru-RU" smtClean="0"/>
+              <a:t>11.01.2020</a:t>
             </a:fld>
             <a:endParaRPr lang="ru-RU"/>
           </a:p>
@@ -798,7 +851,7 @@
           <a:bodyPr/>
           <a:lstStyle/>
           <a:p>
-            <a:fld id="{203648A8-AD84-4B02-B8DD-56A4AF1098CA}" type="slidenum">
+            <a:fld id="{0FEF8BE8-A424-440C-87CB-780085818B50}" type="slidenum">
               <a:rPr lang="ru-RU" smtClean="0"/>
               <a:t>‹#›</a:t>
             </a:fld>
@@ -809,7 +862,7 @@
     </p:spTree>
     <p:extLst>
       <p:ext uri="{BB962C8B-B14F-4D97-AF65-F5344CB8AC3E}">
-        <p14:creationId xmlns:p14="http://schemas.microsoft.com/office/powerpoint/2010/main" val="1206467303"/>
+        <p14:creationId xmlns:p14="http://schemas.microsoft.com/office/powerpoint/2010/main" val="292412394"/>
       </p:ext>
     </p:extLst>
   </p:cSld>
@@ -848,48 +901,48 @@
         </p:nvSpPr>
         <p:spPr>
           <a:xfrm>
-            <a:off x="831850" y="1709738"/>
-            <a:ext cx="10515600" cy="2852737"/>
+            <a:off x="722313" y="4406900"/>
+            <a:ext cx="7772400" cy="1362075"/>
           </a:xfrm>
         </p:spPr>
         <p:txBody>
+          <a:bodyPr anchor="t"/>
+          <a:lstStyle>
+            <a:lvl1pPr algn="l">
+              <a:defRPr sz="4000" b="1" cap="all"/>
+            </a:lvl1pPr>
+          </a:lstStyle>
+          <a:p>
+            <a:r>
+              <a:rPr lang="ru-RU" smtClean="0"/>
+              <a:t>Образец заголовка</a:t>
+            </a:r>
+            <a:endParaRPr lang="ru-RU"/>
+          </a:p>
+        </p:txBody>
+      </p:sp>
+      <p:sp>
+        <p:nvSpPr>
+          <p:cNvPr id="3" name="Текст 2"/>
+          <p:cNvSpPr>
+            <a:spLocks noGrp="1"/>
+          </p:cNvSpPr>
+          <p:nvPr>
+            <p:ph type="body" idx="1"/>
+          </p:nvPr>
+        </p:nvSpPr>
+        <p:spPr>
+          <a:xfrm>
+            <a:off x="722313" y="2906713"/>
+            <a:ext cx="7772400" cy="1500187"/>
+          </a:xfrm>
+        </p:spPr>
+        <p:txBody>
           <a:bodyPr anchor="b"/>
           <a:lstStyle>
-            <a:lvl1pPr>
-              <a:defRPr sz="6000"/>
-            </a:lvl1pPr>
-          </a:lstStyle>
-          <a:p>
-            <a:r>
-              <a:rPr lang="ru-RU" smtClean="0"/>
-              <a:t>Образец заголовка</a:t>
-            </a:r>
-            <a:endParaRPr lang="ru-RU"/>
-          </a:p>
-        </p:txBody>
-      </p:sp>
-      <p:sp>
-        <p:nvSpPr>
-          <p:cNvPr id="3" name="Текст 2"/>
-          <p:cNvSpPr>
-            <a:spLocks noGrp="1"/>
-          </p:cNvSpPr>
-          <p:nvPr>
-            <p:ph type="body" idx="1"/>
-          </p:nvPr>
-        </p:nvSpPr>
-        <p:spPr>
-          <a:xfrm>
-            <a:off x="831850" y="4589463"/>
-            <a:ext cx="10515600" cy="1500187"/>
-          </a:xfrm>
-        </p:spPr>
-        <p:txBody>
-          <a:bodyPr/>
-          <a:lstStyle>
             <a:lvl1pPr marL="0" indent="0">
               <a:buNone/>
-              <a:defRPr sz="2400">
+              <a:defRPr sz="2000">
                 <a:solidFill>
                   <a:schemeClr val="tx1">
                     <a:tint val="75000"/>
@@ -899,7 +952,7 @@
             </a:lvl1pPr>
             <a:lvl2pPr marL="457200" indent="0">
               <a:buNone/>
-              <a:defRPr sz="2000">
+              <a:defRPr sz="1800">
                 <a:solidFill>
                   <a:schemeClr val="tx1">
                     <a:tint val="75000"/>
@@ -909,7 +962,7 @@
             </a:lvl2pPr>
             <a:lvl3pPr marL="914400" indent="0">
               <a:buNone/>
-              <a:defRPr sz="1800">
+              <a:defRPr sz="1600">
                 <a:solidFill>
                   <a:schemeClr val="tx1">
                     <a:tint val="75000"/>
@@ -919,7 +972,7 @@
             </a:lvl3pPr>
             <a:lvl4pPr marL="1371600" indent="0">
               <a:buNone/>
-              <a:defRPr sz="1600">
+              <a:defRPr sz="1400">
                 <a:solidFill>
                   <a:schemeClr val="tx1">
                     <a:tint val="75000"/>
@@ -929,7 +982,7 @@
             </a:lvl4pPr>
             <a:lvl5pPr marL="1828800" indent="0">
               <a:buNone/>
-              <a:defRPr sz="1600">
+              <a:defRPr sz="1400">
                 <a:solidFill>
                   <a:schemeClr val="tx1">
                     <a:tint val="75000"/>
@@ -939,7 +992,7 @@
             </a:lvl5pPr>
             <a:lvl6pPr marL="2286000" indent="0">
               <a:buNone/>
-              <a:defRPr sz="1600">
+              <a:defRPr sz="1400">
                 <a:solidFill>
                   <a:schemeClr val="tx1">
                     <a:tint val="75000"/>
@@ -949,7 +1002,7 @@
             </a:lvl6pPr>
             <a:lvl7pPr marL="2743200" indent="0">
               <a:buNone/>
-              <a:defRPr sz="1600">
+              <a:defRPr sz="1400">
                 <a:solidFill>
                   <a:schemeClr val="tx1">
                     <a:tint val="75000"/>
@@ -959,7 +1012,7 @@
             </a:lvl7pPr>
             <a:lvl8pPr marL="3200400" indent="0">
               <a:buNone/>
-              <a:defRPr sz="1600">
+              <a:defRPr sz="1400">
                 <a:solidFill>
                   <a:schemeClr val="tx1">
                     <a:tint val="75000"/>
@@ -969,7 +1022,7 @@
             </a:lvl8pPr>
             <a:lvl9pPr marL="3657600" indent="0">
               <a:buNone/>
-              <a:defRPr sz="1600">
+              <a:defRPr sz="1400">
                 <a:solidFill>
                   <a:schemeClr val="tx1">
                     <a:tint val="75000"/>
@@ -1002,9 +1055,9 @@
           <a:bodyPr/>
           <a:lstStyle/>
           <a:p>
-            <a:fld id="{867552A9-74E1-458F-B68C-63746FFE237B}" type="datetimeFigureOut">
-              <a:rPr lang="ru-RU" smtClean="0"/>
-              <a:t>03.01.2020</a:t>
+            <a:fld id="{7D46B67E-8DBF-4B1B-AF62-A9858E12E222}" type="datetimeFigureOut">
+              <a:rPr lang="ru-RU" smtClean="0"/>
+              <a:t>11.01.2020</a:t>
             </a:fld>
             <a:endParaRPr lang="ru-RU"/>
           </a:p>
@@ -1044,7 +1097,7 @@
           <a:bodyPr/>
           <a:lstStyle/>
           <a:p>
-            <a:fld id="{203648A8-AD84-4B02-B8DD-56A4AF1098CA}" type="slidenum">
+            <a:fld id="{0FEF8BE8-A424-440C-87CB-780085818B50}" type="slidenum">
               <a:rPr lang="ru-RU" smtClean="0"/>
               <a:t>‹#›</a:t>
             </a:fld>
@@ -1055,7 +1108,7 @@
     </p:spTree>
     <p:extLst>
       <p:ext uri="{BB962C8B-B14F-4D97-AF65-F5344CB8AC3E}">
-        <p14:creationId xmlns:p14="http://schemas.microsoft.com/office/powerpoint/2010/main" val="2362569559"/>
+        <p14:creationId xmlns:p14="http://schemas.microsoft.com/office/powerpoint/2010/main" val="2228903706"/>
       </p:ext>
     </p:extLst>
   </p:cSld>
@@ -1117,13 +1170,41 @@
         </p:nvSpPr>
         <p:spPr>
           <a:xfrm>
-            <a:off x="838200" y="1825625"/>
-            <a:ext cx="5181600" cy="4351338"/>
+            <a:off x="457200" y="1600200"/>
+            <a:ext cx="4038600" cy="4525963"/>
           </a:xfrm>
         </p:spPr>
         <p:txBody>
           <a:bodyPr/>
-          <a:lstStyle/>
+          <a:lstStyle>
+            <a:lvl1pPr>
+              <a:defRPr sz="2800"/>
+            </a:lvl1pPr>
+            <a:lvl2pPr>
+              <a:defRPr sz="2400"/>
+            </a:lvl2pPr>
+            <a:lvl3pPr>
+              <a:defRPr sz="2000"/>
+            </a:lvl3pPr>
+            <a:lvl4pPr>
+              <a:defRPr sz="1800"/>
+            </a:lvl4pPr>
+            <a:lvl5pPr>
+              <a:defRPr sz="1800"/>
+            </a:lvl5pPr>
+            <a:lvl6pPr>
+              <a:defRPr sz="1800"/>
+            </a:lvl6pPr>
+            <a:lvl7pPr>
+              <a:defRPr sz="1800"/>
+            </a:lvl7pPr>
+            <a:lvl8pPr>
+              <a:defRPr sz="1800"/>
+            </a:lvl8pPr>
+            <a:lvl9pPr>
+              <a:defRPr sz="1800"/>
+            </a:lvl9pPr>
+          </a:lstStyle>
           <a:p>
             <a:pPr lvl="0"/>
             <a:r>
@@ -1174,13 +1255,41 @@
         </p:nvSpPr>
         <p:spPr>
           <a:xfrm>
-            <a:off x="6172200" y="1825625"/>
-            <a:ext cx="5181600" cy="4351338"/>
+            <a:off x="4648200" y="1600200"/>
+            <a:ext cx="4038600" cy="4525963"/>
           </a:xfrm>
         </p:spPr>
         <p:txBody>
           <a:bodyPr/>
-          <a:lstStyle/>
+          <a:lstStyle>
+            <a:lvl1pPr>
+              <a:defRPr sz="2800"/>
+            </a:lvl1pPr>
+            <a:lvl2pPr>
+              <a:defRPr sz="2400"/>
+            </a:lvl2pPr>
+            <a:lvl3pPr>
+              <a:defRPr sz="2000"/>
+            </a:lvl3pPr>
+            <a:lvl4pPr>
+              <a:defRPr sz="1800"/>
+            </a:lvl4pPr>
+            <a:lvl5pPr>
+              <a:defRPr sz="1800"/>
+            </a:lvl5pPr>
+            <a:lvl6pPr>
+              <a:defRPr sz="1800"/>
+            </a:lvl6pPr>
+            <a:lvl7pPr>
+              <a:defRPr sz="1800"/>
+            </a:lvl7pPr>
+            <a:lvl8pPr>
+              <a:defRPr sz="1800"/>
+            </a:lvl8pPr>
+            <a:lvl9pPr>
+              <a:defRPr sz="1800"/>
+            </a:lvl9pPr>
+          </a:lstStyle>
           <a:p>
             <a:pPr lvl="0"/>
             <a:r>
@@ -1234,9 +1343,9 @@
           <a:bodyPr/>
           <a:lstStyle/>
           <a:p>
-            <a:fld id="{867552A9-74E1-458F-B68C-63746FFE237B}" type="datetimeFigureOut">
-              <a:rPr lang="ru-RU" smtClean="0"/>
-              <a:t>03.01.2020</a:t>
+            <a:fld id="{7D46B67E-8DBF-4B1B-AF62-A9858E12E222}" type="datetimeFigureOut">
+              <a:rPr lang="ru-RU" smtClean="0"/>
+              <a:t>11.01.2020</a:t>
             </a:fld>
             <a:endParaRPr lang="ru-RU"/>
           </a:p>
@@ -1276,7 +1385,7 @@
           <a:bodyPr/>
           <a:lstStyle/>
           <a:p>
-            <a:fld id="{203648A8-AD84-4B02-B8DD-56A4AF1098CA}" type="slidenum">
+            <a:fld id="{0FEF8BE8-A424-440C-87CB-780085818B50}" type="slidenum">
               <a:rPr lang="ru-RU" smtClean="0"/>
               <a:t>‹#›</a:t>
             </a:fld>
@@ -1287,7 +1396,7 @@
     </p:spTree>
     <p:extLst>
       <p:ext uri="{BB962C8B-B14F-4D97-AF65-F5344CB8AC3E}">
-        <p14:creationId xmlns:p14="http://schemas.microsoft.com/office/powerpoint/2010/main" val="935869409"/>
+        <p14:creationId xmlns:p14="http://schemas.microsoft.com/office/powerpoint/2010/main" val="3429592505"/>
       </p:ext>
     </p:extLst>
   </p:cSld>
@@ -1324,38 +1433,37 @@
             <p:ph type="title"/>
           </p:nvPr>
         </p:nvSpPr>
+        <p:spPr/>
+        <p:txBody>
+          <a:bodyPr/>
+          <a:lstStyle>
+            <a:lvl1pPr>
+              <a:defRPr/>
+            </a:lvl1pPr>
+          </a:lstStyle>
+          <a:p>
+            <a:r>
+              <a:rPr lang="ru-RU" smtClean="0"/>
+              <a:t>Образец заголовка</a:t>
+            </a:r>
+            <a:endParaRPr lang="ru-RU"/>
+          </a:p>
+        </p:txBody>
+      </p:sp>
+      <p:sp>
+        <p:nvSpPr>
+          <p:cNvPr id="3" name="Текст 2"/>
+          <p:cNvSpPr>
+            <a:spLocks noGrp="1"/>
+          </p:cNvSpPr>
+          <p:nvPr>
+            <p:ph type="body" idx="1"/>
+          </p:nvPr>
+        </p:nvSpPr>
         <p:spPr>
           <a:xfrm>
-            <a:off x="839788" y="365125"/>
-            <a:ext cx="10515600" cy="1325563"/>
-          </a:xfrm>
-        </p:spPr>
-        <p:txBody>
-          <a:bodyPr/>
-          <a:lstStyle/>
-          <a:p>
-            <a:r>
-              <a:rPr lang="ru-RU" smtClean="0"/>
-              <a:t>Образец заголовка</a:t>
-            </a:r>
-            <a:endParaRPr lang="ru-RU"/>
-          </a:p>
-        </p:txBody>
-      </p:sp>
-      <p:sp>
-        <p:nvSpPr>
-          <p:cNvPr id="3" name="Текст 2"/>
-          <p:cNvSpPr>
-            <a:spLocks noGrp="1"/>
-          </p:cNvSpPr>
-          <p:nvPr>
-            <p:ph type="body" idx="1"/>
-          </p:nvPr>
-        </p:nvSpPr>
-        <p:spPr>
-          <a:xfrm>
-            <a:off x="839788" y="1681163"/>
-            <a:ext cx="5157787" cy="823912"/>
+            <a:off x="457200" y="1535113"/>
+            <a:ext cx="4040188" cy="639762"/>
           </a:xfrm>
         </p:spPr>
         <p:txBody>
@@ -1419,13 +1527,41 @@
         </p:nvSpPr>
         <p:spPr>
           <a:xfrm>
-            <a:off x="839788" y="2505075"/>
-            <a:ext cx="5157787" cy="3684588"/>
+            <a:off x="457200" y="2174875"/>
+            <a:ext cx="4040188" cy="3951288"/>
           </a:xfrm>
         </p:spPr>
         <p:txBody>
           <a:bodyPr/>
-          <a:lstStyle/>
+          <a:lstStyle>
+            <a:lvl1pPr>
+              <a:defRPr sz="2400"/>
+            </a:lvl1pPr>
+            <a:lvl2pPr>
+              <a:defRPr sz="2000"/>
+            </a:lvl2pPr>
+            <a:lvl3pPr>
+              <a:defRPr sz="1800"/>
+            </a:lvl3pPr>
+            <a:lvl4pPr>
+              <a:defRPr sz="1600"/>
+            </a:lvl4pPr>
+            <a:lvl5pPr>
+              <a:defRPr sz="1600"/>
+            </a:lvl5pPr>
+            <a:lvl6pPr>
+              <a:defRPr sz="1600"/>
+            </a:lvl6pPr>
+            <a:lvl7pPr>
+              <a:defRPr sz="1600"/>
+            </a:lvl7pPr>
+            <a:lvl8pPr>
+              <a:defRPr sz="1600"/>
+            </a:lvl8pPr>
+            <a:lvl9pPr>
+              <a:defRPr sz="1600"/>
+            </a:lvl9pPr>
+          </a:lstStyle>
           <a:p>
             <a:pPr lvl="0"/>
             <a:r>
@@ -1476,8 +1612,8 @@
         </p:nvSpPr>
         <p:spPr>
           <a:xfrm>
-            <a:off x="6172200" y="1681163"/>
-            <a:ext cx="5183188" cy="823912"/>
+            <a:off x="4645025" y="1535113"/>
+            <a:ext cx="4041775" cy="639762"/>
           </a:xfrm>
         </p:spPr>
         <p:txBody>
@@ -1541,13 +1677,41 @@
         </p:nvSpPr>
         <p:spPr>
           <a:xfrm>
-            <a:off x="6172200" y="2505075"/>
-            <a:ext cx="5183188" cy="3684588"/>
+            <a:off x="4645025" y="2174875"/>
+            <a:ext cx="4041775" cy="3951288"/>
           </a:xfrm>
         </p:spPr>
         <p:txBody>
           <a:bodyPr/>
-          <a:lstStyle/>
+          <a:lstStyle>
+            <a:lvl1pPr>
+              <a:defRPr sz="2400"/>
+            </a:lvl1pPr>
+            <a:lvl2pPr>
+              <a:defRPr sz="2000"/>
+            </a:lvl2pPr>
+            <a:lvl3pPr>
+              <a:defRPr sz="1800"/>
+            </a:lvl3pPr>
+            <a:lvl4pPr>
+              <a:defRPr sz="1600"/>
+            </a:lvl4pPr>
+            <a:lvl5pPr>
+              <a:defRPr sz="1600"/>
+            </a:lvl5pPr>
+            <a:lvl6pPr>
+              <a:defRPr sz="1600"/>
+            </a:lvl6pPr>
+            <a:lvl7pPr>
+              <a:defRPr sz="1600"/>
+            </a:lvl7pPr>
+            <a:lvl8pPr>
+              <a:defRPr sz="1600"/>
+            </a:lvl8pPr>
+            <a:lvl9pPr>
+              <a:defRPr sz="1600"/>
+            </a:lvl9pPr>
+          </a:lstStyle>
           <a:p>
             <a:pPr lvl="0"/>
             <a:r>
@@ -1601,9 +1765,9 @@
           <a:bodyPr/>
           <a:lstStyle/>
           <a:p>
-            <a:fld id="{867552A9-74E1-458F-B68C-63746FFE237B}" type="datetimeFigureOut">
-              <a:rPr lang="ru-RU" smtClean="0"/>
-              <a:t>03.01.2020</a:t>
+            <a:fld id="{7D46B67E-8DBF-4B1B-AF62-A9858E12E222}" type="datetimeFigureOut">
+              <a:rPr lang="ru-RU" smtClean="0"/>
+              <a:t>11.01.2020</a:t>
             </a:fld>
             <a:endParaRPr lang="ru-RU"/>
           </a:p>
@@ -1643,7 +1807,7 @@
           <a:bodyPr/>
           <a:lstStyle/>
           <a:p>
-            <a:fld id="{203648A8-AD84-4B02-B8DD-56A4AF1098CA}" type="slidenum">
+            <a:fld id="{0FEF8BE8-A424-440C-87CB-780085818B50}" type="slidenum">
               <a:rPr lang="ru-RU" smtClean="0"/>
               <a:t>‹#›</a:t>
             </a:fld>
@@ -1654,7 +1818,7 @@
     </p:spTree>
     <p:extLst>
       <p:ext uri="{BB962C8B-B14F-4D97-AF65-F5344CB8AC3E}">
-        <p14:creationId xmlns:p14="http://schemas.microsoft.com/office/powerpoint/2010/main" val="4094048370"/>
+        <p14:creationId xmlns:p14="http://schemas.microsoft.com/office/powerpoint/2010/main" val="984891996"/>
       </p:ext>
     </p:extLst>
   </p:cSld>
@@ -1719,9 +1883,9 @@
           <a:bodyPr/>
           <a:lstStyle/>
           <a:p>
-            <a:fld id="{867552A9-74E1-458F-B68C-63746FFE237B}" type="datetimeFigureOut">
-              <a:rPr lang="ru-RU" smtClean="0"/>
-              <a:t>03.01.2020</a:t>
+            <a:fld id="{7D46B67E-8DBF-4B1B-AF62-A9858E12E222}" type="datetimeFigureOut">
+              <a:rPr lang="ru-RU" smtClean="0"/>
+              <a:t>11.01.2020</a:t>
             </a:fld>
             <a:endParaRPr lang="ru-RU"/>
           </a:p>
@@ -1761,7 +1925,7 @@
           <a:bodyPr/>
           <a:lstStyle/>
           <a:p>
-            <a:fld id="{203648A8-AD84-4B02-B8DD-56A4AF1098CA}" type="slidenum">
+            <a:fld id="{0FEF8BE8-A424-440C-87CB-780085818B50}" type="slidenum">
               <a:rPr lang="ru-RU" smtClean="0"/>
               <a:t>‹#›</a:t>
             </a:fld>
@@ -1772,7 +1936,7 @@
     </p:spTree>
     <p:extLst>
       <p:ext uri="{BB962C8B-B14F-4D97-AF65-F5344CB8AC3E}">
-        <p14:creationId xmlns:p14="http://schemas.microsoft.com/office/powerpoint/2010/main" val="118228359"/>
+        <p14:creationId xmlns:p14="http://schemas.microsoft.com/office/powerpoint/2010/main" val="1851481798"/>
       </p:ext>
     </p:extLst>
   </p:cSld>
@@ -1814,9 +1978,9 @@
           <a:bodyPr/>
           <a:lstStyle/>
           <a:p>
-            <a:fld id="{867552A9-74E1-458F-B68C-63746FFE237B}" type="datetimeFigureOut">
-              <a:rPr lang="ru-RU" smtClean="0"/>
-              <a:t>03.01.2020</a:t>
+            <a:fld id="{7D46B67E-8DBF-4B1B-AF62-A9858E12E222}" type="datetimeFigureOut">
+              <a:rPr lang="ru-RU" smtClean="0"/>
+              <a:t>11.01.2020</a:t>
             </a:fld>
             <a:endParaRPr lang="ru-RU"/>
           </a:p>
@@ -1856,7 +2020,7 @@
           <a:bodyPr/>
           <a:lstStyle/>
           <a:p>
-            <a:fld id="{203648A8-AD84-4B02-B8DD-56A4AF1098CA}" type="slidenum">
+            <a:fld id="{0FEF8BE8-A424-440C-87CB-780085818B50}" type="slidenum">
               <a:rPr lang="ru-RU" smtClean="0"/>
               <a:t>‹#›</a:t>
             </a:fld>
@@ -1867,7 +2031,7 @@
     </p:spTree>
     <p:extLst>
       <p:ext uri="{BB962C8B-B14F-4D97-AF65-F5344CB8AC3E}">
-        <p14:creationId xmlns:p14="http://schemas.microsoft.com/office/powerpoint/2010/main" val="3194599974"/>
+        <p14:creationId xmlns:p14="http://schemas.microsoft.com/office/powerpoint/2010/main" val="679635155"/>
       </p:ext>
     </p:extLst>
   </p:cSld>
@@ -1906,15 +2070,15 @@
         </p:nvSpPr>
         <p:spPr>
           <a:xfrm>
-            <a:off x="839788" y="457200"/>
-            <a:ext cx="3932237" cy="1600200"/>
+            <a:off x="457200" y="273050"/>
+            <a:ext cx="3008313" cy="1162050"/>
           </a:xfrm>
         </p:spPr>
         <p:txBody>
           <a:bodyPr anchor="b"/>
           <a:lstStyle>
-            <a:lvl1pPr>
-              <a:defRPr sz="3200"/>
+            <a:lvl1pPr algn="l">
+              <a:defRPr sz="2000" b="1"/>
             </a:lvl1pPr>
           </a:lstStyle>
           <a:p>
@@ -1938,8 +2102,8 @@
         </p:nvSpPr>
         <p:spPr>
           <a:xfrm>
-            <a:off x="5183188" y="987425"/>
-            <a:ext cx="6172200" cy="4873625"/>
+            <a:off x="3575050" y="273050"/>
+            <a:ext cx="5111750" cy="5853113"/>
           </a:xfrm>
         </p:spPr>
         <p:txBody>
@@ -2023,8 +2187,8 @@
         </p:nvSpPr>
         <p:spPr>
           <a:xfrm>
-            <a:off x="839788" y="2057400"/>
-            <a:ext cx="3932237" cy="3811588"/>
+            <a:off x="457200" y="1435100"/>
+            <a:ext cx="3008313" cy="4691063"/>
           </a:xfrm>
         </p:spPr>
         <p:txBody>
@@ -2032,39 +2196,39 @@
           <a:lstStyle>
             <a:lvl1pPr marL="0" indent="0">
               <a:buNone/>
-              <a:defRPr sz="1600"/>
+              <a:defRPr sz="1400"/>
             </a:lvl1pPr>
             <a:lvl2pPr marL="457200" indent="0">
               <a:buNone/>
-              <a:defRPr sz="1400"/>
+              <a:defRPr sz="1200"/>
             </a:lvl2pPr>
             <a:lvl3pPr marL="914400" indent="0">
               <a:buNone/>
-              <a:defRPr sz="1200"/>
+              <a:defRPr sz="1000"/>
             </a:lvl3pPr>
             <a:lvl4pPr marL="1371600" indent="0">
               <a:buNone/>
-              <a:defRPr sz="1000"/>
+              <a:defRPr sz="900"/>
             </a:lvl4pPr>
             <a:lvl5pPr marL="1828800" indent="0">
               <a:buNone/>
-              <a:defRPr sz="1000"/>
+              <a:defRPr sz="900"/>
             </a:lvl5pPr>
             <a:lvl6pPr marL="2286000" indent="0">
               <a:buNone/>
-              <a:defRPr sz="1000"/>
+              <a:defRPr sz="900"/>
             </a:lvl6pPr>
             <a:lvl7pPr marL="2743200" indent="0">
               <a:buNone/>
-              <a:defRPr sz="1000"/>
+              <a:defRPr sz="900"/>
             </a:lvl7pPr>
             <a:lvl8pPr marL="3200400" indent="0">
               <a:buNone/>
-              <a:defRPr sz="1000"/>
+              <a:defRPr sz="900"/>
             </a:lvl8pPr>
             <a:lvl9pPr marL="3657600" indent="0">
               <a:buNone/>
-              <a:defRPr sz="1000"/>
+              <a:defRPr sz="900"/>
             </a:lvl9pPr>
           </a:lstStyle>
           <a:p>
@@ -2091,9 +2255,9 @@
           <a:bodyPr/>
           <a:lstStyle/>
           <a:p>
-            <a:fld id="{867552A9-74E1-458F-B68C-63746FFE237B}" type="datetimeFigureOut">
-              <a:rPr lang="ru-RU" smtClean="0"/>
-              <a:t>03.01.2020</a:t>
+            <a:fld id="{7D46B67E-8DBF-4B1B-AF62-A9858E12E222}" type="datetimeFigureOut">
+              <a:rPr lang="ru-RU" smtClean="0"/>
+              <a:t>11.01.2020</a:t>
             </a:fld>
             <a:endParaRPr lang="ru-RU"/>
           </a:p>
@@ -2133,7 +2297,7 @@
           <a:bodyPr/>
           <a:lstStyle/>
           <a:p>
-            <a:fld id="{203648A8-AD84-4B02-B8DD-56A4AF1098CA}" type="slidenum">
+            <a:fld id="{0FEF8BE8-A424-440C-87CB-780085818B50}" type="slidenum">
               <a:rPr lang="ru-RU" smtClean="0"/>
               <a:t>‹#›</a:t>
             </a:fld>
@@ -2144,7 +2308,7 @@
     </p:spTree>
     <p:extLst>
       <p:ext uri="{BB962C8B-B14F-4D97-AF65-F5344CB8AC3E}">
-        <p14:creationId xmlns:p14="http://schemas.microsoft.com/office/powerpoint/2010/main" val="2457642795"/>
+        <p14:creationId xmlns:p14="http://schemas.microsoft.com/office/powerpoint/2010/main" val="3962385660"/>
       </p:ext>
     </p:extLst>
   </p:cSld>
@@ -2183,15 +2347,15 @@
         </p:nvSpPr>
         <p:spPr>
           <a:xfrm>
-            <a:off x="839788" y="457200"/>
-            <a:ext cx="3932237" cy="1600200"/>
+            <a:off x="1792288" y="4800600"/>
+            <a:ext cx="5486400" cy="566738"/>
           </a:xfrm>
         </p:spPr>
         <p:txBody>
           <a:bodyPr anchor="b"/>
           <a:lstStyle>
-            <a:lvl1pPr>
-              <a:defRPr sz="3200"/>
+            <a:lvl1pPr algn="l">
+              <a:defRPr sz="2000" b="1"/>
             </a:lvl1pPr>
           </a:lstStyle>
           <a:p>
@@ -2215,8 +2379,8 @@
         </p:nvSpPr>
         <p:spPr>
           <a:xfrm>
-            <a:off x="5183188" y="987425"/>
-            <a:ext cx="6172200" cy="4873625"/>
+            <a:off x="1792288" y="612775"/>
+            <a:ext cx="5486400" cy="4114800"/>
           </a:xfrm>
         </p:spPr>
         <p:txBody>
@@ -2276,8 +2440,8 @@
         </p:nvSpPr>
         <p:spPr>
           <a:xfrm>
-            <a:off x="839788" y="2057400"/>
-            <a:ext cx="3932237" cy="3811588"/>
+            <a:off x="1792288" y="5367338"/>
+            <a:ext cx="5486400" cy="804862"/>
           </a:xfrm>
         </p:spPr>
         <p:txBody>
@@ -2285,39 +2449,39 @@
           <a:lstStyle>
             <a:lvl1pPr marL="0" indent="0">
               <a:buNone/>
-              <a:defRPr sz="1600"/>
+              <a:defRPr sz="1400"/>
             </a:lvl1pPr>
             <a:lvl2pPr marL="457200" indent="0">
               <a:buNone/>
-              <a:defRPr sz="1400"/>
+              <a:defRPr sz="1200"/>
             </a:lvl2pPr>
             <a:lvl3pPr marL="914400" indent="0">
               <a:buNone/>
-              <a:defRPr sz="1200"/>
+              <a:defRPr sz="1000"/>
             </a:lvl3pPr>
             <a:lvl4pPr marL="1371600" indent="0">
               <a:buNone/>
-              <a:defRPr sz="1000"/>
+              <a:defRPr sz="900"/>
             </a:lvl4pPr>
             <a:lvl5pPr marL="1828800" indent="0">
               <a:buNone/>
-              <a:defRPr sz="1000"/>
+              <a:defRPr sz="900"/>
             </a:lvl5pPr>
             <a:lvl6pPr marL="2286000" indent="0">
               <a:buNone/>
-              <a:defRPr sz="1000"/>
+              <a:defRPr sz="900"/>
             </a:lvl6pPr>
             <a:lvl7pPr marL="2743200" indent="0">
               <a:buNone/>
-              <a:defRPr sz="1000"/>
+              <a:defRPr sz="900"/>
             </a:lvl7pPr>
             <a:lvl8pPr marL="3200400" indent="0">
               <a:buNone/>
-              <a:defRPr sz="1000"/>
+              <a:defRPr sz="900"/>
             </a:lvl8pPr>
             <a:lvl9pPr marL="3657600" indent="0">
               <a:buNone/>
-              <a:defRPr sz="1000"/>
+              <a:defRPr sz="900"/>
             </a:lvl9pPr>
           </a:lstStyle>
           <a:p>
@@ -2344,9 +2508,9 @@
           <a:bodyPr/>
           <a:lstStyle/>
           <a:p>
-            <a:fld id="{867552A9-74E1-458F-B68C-63746FFE237B}" type="datetimeFigureOut">
-              <a:rPr lang="ru-RU" smtClean="0"/>
-              <a:t>03.01.2020</a:t>
+            <a:fld id="{7D46B67E-8DBF-4B1B-AF62-A9858E12E222}" type="datetimeFigureOut">
+              <a:rPr lang="ru-RU" smtClean="0"/>
+              <a:t>11.01.2020</a:t>
             </a:fld>
             <a:endParaRPr lang="ru-RU"/>
           </a:p>
@@ -2386,7 +2550,7 @@
           <a:bodyPr/>
           <a:lstStyle/>
           <a:p>
-            <a:fld id="{203648A8-AD84-4B02-B8DD-56A4AF1098CA}" type="slidenum">
+            <a:fld id="{0FEF8BE8-A424-440C-87CB-780085818B50}" type="slidenum">
               <a:rPr lang="ru-RU" smtClean="0"/>
               <a:t>‹#›</a:t>
             </a:fld>
@@ -2397,7 +2561,7 @@
     </p:spTree>
     <p:extLst>
       <p:ext uri="{BB962C8B-B14F-4D97-AF65-F5344CB8AC3E}">
-        <p14:creationId xmlns:p14="http://schemas.microsoft.com/office/powerpoint/2010/main" val="392197586"/>
+        <p14:creationId xmlns:p14="http://schemas.microsoft.com/office/powerpoint/2010/main" val="2620832347"/>
       </p:ext>
     </p:extLst>
   </p:cSld>
@@ -2441,8 +2605,8 @@
         </p:nvSpPr>
         <p:spPr>
           <a:xfrm>
-            <a:off x="838200" y="365125"/>
-            <a:ext cx="10515600" cy="1325563"/>
+            <a:off x="457200" y="274638"/>
+            <a:ext cx="8229600" cy="1143000"/>
           </a:xfrm>
           <a:prstGeom prst="rect">
             <a:avLst/>
@@ -2474,8 +2638,8 @@
         </p:nvSpPr>
         <p:spPr>
           <a:xfrm>
-            <a:off x="838200" y="1825625"/>
-            <a:ext cx="10515600" cy="4351338"/>
+            <a:off x="457200" y="1600200"/>
+            <a:ext cx="8229600" cy="4525963"/>
           </a:xfrm>
           <a:prstGeom prst="rect">
             <a:avLst/>
@@ -2536,8 +2700,8 @@
         </p:nvSpPr>
         <p:spPr>
           <a:xfrm>
-            <a:off x="838200" y="6356350"/>
-            <a:ext cx="2743200" cy="365125"/>
+            <a:off x="457200" y="6356350"/>
+            <a:ext cx="2133600" cy="365125"/>
           </a:xfrm>
           <a:prstGeom prst="rect">
             <a:avLst/>
@@ -2557,9 +2721,9 @@
             </a:lvl1pPr>
           </a:lstStyle>
           <a:p>
-            <a:fld id="{867552A9-74E1-458F-B68C-63746FFE237B}" type="datetimeFigureOut">
-              <a:rPr lang="ru-RU" smtClean="0"/>
-              <a:t>03.01.2020</a:t>
+            <a:fld id="{7D46B67E-8DBF-4B1B-AF62-A9858E12E222}" type="datetimeFigureOut">
+              <a:rPr lang="ru-RU" smtClean="0"/>
+              <a:t>11.01.2020</a:t>
             </a:fld>
             <a:endParaRPr lang="ru-RU"/>
           </a:p>
@@ -2577,8 +2741,8 @@
         </p:nvSpPr>
         <p:spPr>
           <a:xfrm>
-            <a:off x="4038600" y="6356350"/>
-            <a:ext cx="4114800" cy="365125"/>
+            <a:off x="3124200" y="6356350"/>
+            <a:ext cx="2895600" cy="365125"/>
           </a:xfrm>
           <a:prstGeom prst="rect">
             <a:avLst/>
@@ -2614,8 +2778,8 @@
         </p:nvSpPr>
         <p:spPr>
           <a:xfrm>
-            <a:off x="8610600" y="6356350"/>
-            <a:ext cx="2743200" cy="365125"/>
+            <a:off x="6553200" y="6356350"/>
+            <a:ext cx="2133600" cy="365125"/>
           </a:xfrm>
           <a:prstGeom prst="rect">
             <a:avLst/>
@@ -2635,7 +2799,7 @@
             </a:lvl1pPr>
           </a:lstStyle>
           <a:p>
-            <a:fld id="{203648A8-AD84-4B02-B8DD-56A4AF1098CA}" type="slidenum">
+            <a:fld id="{0FEF8BE8-A424-440C-87CB-780085818B50}" type="slidenum">
               <a:rPr lang="ru-RU" smtClean="0"/>
               <a:t>‹#›</a:t>
             </a:fld>
@@ -2646,7 +2810,7 @@
     </p:spTree>
     <p:extLst>
       <p:ext uri="{BB962C8B-B14F-4D97-AF65-F5344CB8AC3E}">
-        <p14:creationId xmlns:p14="http://schemas.microsoft.com/office/powerpoint/2010/main" val="415088008"/>
+        <p14:creationId xmlns:p14="http://schemas.microsoft.com/office/powerpoint/2010/main" val="366106566"/>
       </p:ext>
     </p:extLst>
   </p:cSld>
@@ -2666,10 +2830,7 @@
   </p:sldLayoutIdLst>
   <p:txStyles>
     <p:titleStyle>
-      <a:lvl1pPr algn="l" defTabSz="914400" rtl="0" eaLnBrk="1" latinLnBrk="0" hangingPunct="1">
-        <a:lnSpc>
-          <a:spcPct val="90000"/>
-        </a:lnSpc>
+      <a:lvl1pPr algn="ctr" defTabSz="914400" rtl="0" eaLnBrk="1" latinLnBrk="0" hangingPunct="1">
         <a:spcBef>
           <a:spcPct val="0"/>
         </a:spcBef>
@@ -2685,15 +2846,27 @@
       </a:lvl1pPr>
     </p:titleStyle>
     <p:bodyStyle>
-      <a:lvl1pPr marL="228600" indent="-228600" algn="l" defTabSz="914400" rtl="0" eaLnBrk="1" latinLnBrk="0" hangingPunct="1">
-        <a:lnSpc>
-          <a:spcPct val="90000"/>
-        </a:lnSpc>
+      <a:lvl1pPr marL="342900" indent="-342900" algn="l" defTabSz="914400" rtl="0" eaLnBrk="1" latinLnBrk="0" hangingPunct="1">
         <a:spcBef>
-          <a:spcPts val="1000"/>
+          <a:spcPct val="20000"/>
         </a:spcBef>
         <a:buFont typeface="Arial" panose="020B0604020202020204" pitchFamily="34" charset="0"/>
         <a:buChar char="•"/>
+        <a:defRPr sz="3200" kern="1200">
+          <a:solidFill>
+            <a:schemeClr val="tx1"/>
+          </a:solidFill>
+          <a:latin typeface="+mn-lt"/>
+          <a:ea typeface="+mn-ea"/>
+          <a:cs typeface="+mn-cs"/>
+        </a:defRPr>
+      </a:lvl1pPr>
+      <a:lvl2pPr marL="742950" indent="-285750" algn="l" defTabSz="914400" rtl="0" eaLnBrk="1" latinLnBrk="0" hangingPunct="1">
+        <a:spcBef>
+          <a:spcPct val="20000"/>
+        </a:spcBef>
+        <a:buFont typeface="Arial" panose="020B0604020202020204" pitchFamily="34" charset="0"/>
+        <a:buChar char="–"/>
         <a:defRPr sz="2800" kern="1200">
           <a:solidFill>
             <a:schemeClr val="tx1"/>
@@ -2702,13 +2875,10 @@
           <a:ea typeface="+mn-ea"/>
           <a:cs typeface="+mn-cs"/>
         </a:defRPr>
-      </a:lvl1pPr>
-      <a:lvl2pPr marL="685800" indent="-228600" algn="l" defTabSz="914400" rtl="0" eaLnBrk="1" latinLnBrk="0" hangingPunct="1">
-        <a:lnSpc>
-          <a:spcPct val="90000"/>
-        </a:lnSpc>
+      </a:lvl2pPr>
+      <a:lvl3pPr marL="1143000" indent="-228600" algn="l" defTabSz="914400" rtl="0" eaLnBrk="1" latinLnBrk="0" hangingPunct="1">
         <a:spcBef>
-          <a:spcPts val="500"/>
+          <a:spcPct val="20000"/>
         </a:spcBef>
         <a:buFont typeface="Arial" panose="020B0604020202020204" pitchFamily="34" charset="0"/>
         <a:buChar char="•"/>
@@ -2720,13 +2890,40 @@
           <a:ea typeface="+mn-ea"/>
           <a:cs typeface="+mn-cs"/>
         </a:defRPr>
-      </a:lvl2pPr>
-      <a:lvl3pPr marL="1143000" indent="-228600" algn="l" defTabSz="914400" rtl="0" eaLnBrk="1" latinLnBrk="0" hangingPunct="1">
-        <a:lnSpc>
-          <a:spcPct val="90000"/>
-        </a:lnSpc>
+      </a:lvl3pPr>
+      <a:lvl4pPr marL="1600200" indent="-228600" algn="l" defTabSz="914400" rtl="0" eaLnBrk="1" latinLnBrk="0" hangingPunct="1">
         <a:spcBef>
-          <a:spcPts val="500"/>
+          <a:spcPct val="20000"/>
+        </a:spcBef>
+        <a:buFont typeface="Arial" panose="020B0604020202020204" pitchFamily="34" charset="0"/>
+        <a:buChar char="–"/>
+        <a:defRPr sz="2000" kern="1200">
+          <a:solidFill>
+            <a:schemeClr val="tx1"/>
+          </a:solidFill>
+          <a:latin typeface="+mn-lt"/>
+          <a:ea typeface="+mn-ea"/>
+          <a:cs typeface="+mn-cs"/>
+        </a:defRPr>
+      </a:lvl4pPr>
+      <a:lvl5pPr marL="2057400" indent="-228600" algn="l" defTabSz="914400" rtl="0" eaLnBrk="1" latinLnBrk="0" hangingPunct="1">
+        <a:spcBef>
+          <a:spcPct val="20000"/>
+        </a:spcBef>
+        <a:buFont typeface="Arial" panose="020B0604020202020204" pitchFamily="34" charset="0"/>
+        <a:buChar char="»"/>
+        <a:defRPr sz="2000" kern="1200">
+          <a:solidFill>
+            <a:schemeClr val="tx1"/>
+          </a:solidFill>
+          <a:latin typeface="+mn-lt"/>
+          <a:ea typeface="+mn-ea"/>
+          <a:cs typeface="+mn-cs"/>
+        </a:defRPr>
+      </a:lvl5pPr>
+      <a:lvl6pPr marL="2514600" indent="-228600" algn="l" defTabSz="914400" rtl="0" eaLnBrk="1" latinLnBrk="0" hangingPunct="1">
+        <a:spcBef>
+          <a:spcPct val="20000"/>
         </a:spcBef>
         <a:buFont typeface="Arial" panose="020B0604020202020204" pitchFamily="34" charset="0"/>
         <a:buChar char="•"/>
@@ -2738,71 +2935,14 @@
           <a:ea typeface="+mn-ea"/>
           <a:cs typeface="+mn-cs"/>
         </a:defRPr>
-      </a:lvl3pPr>
-      <a:lvl4pPr marL="1600200" indent="-228600" algn="l" defTabSz="914400" rtl="0" eaLnBrk="1" latinLnBrk="0" hangingPunct="1">
-        <a:lnSpc>
-          <a:spcPct val="90000"/>
-        </a:lnSpc>
+      </a:lvl6pPr>
+      <a:lvl7pPr marL="2971800" indent="-228600" algn="l" defTabSz="914400" rtl="0" eaLnBrk="1" latinLnBrk="0" hangingPunct="1">
         <a:spcBef>
-          <a:spcPts val="500"/>
+          <a:spcPct val="20000"/>
         </a:spcBef>
         <a:buFont typeface="Arial" panose="020B0604020202020204" pitchFamily="34" charset="0"/>
         <a:buChar char="•"/>
-        <a:defRPr sz="1800" kern="1200">
-          <a:solidFill>
-            <a:schemeClr val="tx1"/>
-          </a:solidFill>
-          <a:latin typeface="+mn-lt"/>
-          <a:ea typeface="+mn-ea"/>
-          <a:cs typeface="+mn-cs"/>
-        </a:defRPr>
-      </a:lvl4pPr>
-      <a:lvl5pPr marL="2057400" indent="-228600" algn="l" defTabSz="914400" rtl="0" eaLnBrk="1" latinLnBrk="0" hangingPunct="1">
-        <a:lnSpc>
-          <a:spcPct val="90000"/>
-        </a:lnSpc>
-        <a:spcBef>
-          <a:spcPts val="500"/>
-        </a:spcBef>
-        <a:buFont typeface="Arial" panose="020B0604020202020204" pitchFamily="34" charset="0"/>
-        <a:buChar char="•"/>
-        <a:defRPr sz="1800" kern="1200">
-          <a:solidFill>
-            <a:schemeClr val="tx1"/>
-          </a:solidFill>
-          <a:latin typeface="+mn-lt"/>
-          <a:ea typeface="+mn-ea"/>
-          <a:cs typeface="+mn-cs"/>
-        </a:defRPr>
-      </a:lvl5pPr>
-      <a:lvl6pPr marL="2514600" indent="-228600" algn="l" defTabSz="914400" rtl="0" eaLnBrk="1" latinLnBrk="0" hangingPunct="1">
-        <a:lnSpc>
-          <a:spcPct val="90000"/>
-        </a:lnSpc>
-        <a:spcBef>
-          <a:spcPts val="500"/>
-        </a:spcBef>
-        <a:buFont typeface="Arial" panose="020B0604020202020204" pitchFamily="34" charset="0"/>
-        <a:buChar char="•"/>
-        <a:defRPr sz="1800" kern="1200">
-          <a:solidFill>
-            <a:schemeClr val="tx1"/>
-          </a:solidFill>
-          <a:latin typeface="+mn-lt"/>
-          <a:ea typeface="+mn-ea"/>
-          <a:cs typeface="+mn-cs"/>
-        </a:defRPr>
-      </a:lvl6pPr>
-      <a:lvl7pPr marL="2971800" indent="-228600" algn="l" defTabSz="914400" rtl="0" eaLnBrk="1" latinLnBrk="0" hangingPunct="1">
-        <a:lnSpc>
-          <a:spcPct val="90000"/>
-        </a:lnSpc>
-        <a:spcBef>
-          <a:spcPts val="500"/>
-        </a:spcBef>
-        <a:buFont typeface="Arial" panose="020B0604020202020204" pitchFamily="34" charset="0"/>
-        <a:buChar char="•"/>
-        <a:defRPr sz="1800" kern="1200">
+        <a:defRPr sz="2000" kern="1200">
           <a:solidFill>
             <a:schemeClr val="tx1"/>
           </a:solidFill>
@@ -2812,15 +2952,12 @@
         </a:defRPr>
       </a:lvl7pPr>
       <a:lvl8pPr marL="3429000" indent="-228600" algn="l" defTabSz="914400" rtl="0" eaLnBrk="1" latinLnBrk="0" hangingPunct="1">
-        <a:lnSpc>
-          <a:spcPct val="90000"/>
-        </a:lnSpc>
         <a:spcBef>
-          <a:spcPts val="500"/>
+          <a:spcPct val="20000"/>
         </a:spcBef>
         <a:buFont typeface="Arial" panose="020B0604020202020204" pitchFamily="34" charset="0"/>
         <a:buChar char="•"/>
-        <a:defRPr sz="1800" kern="1200">
+        <a:defRPr sz="2000" kern="1200">
           <a:solidFill>
             <a:schemeClr val="tx1"/>
           </a:solidFill>
@@ -2830,15 +2967,12 @@
         </a:defRPr>
       </a:lvl8pPr>
       <a:lvl9pPr marL="3886200" indent="-228600" algn="l" defTabSz="914400" rtl="0" eaLnBrk="1" latinLnBrk="0" hangingPunct="1">
-        <a:lnSpc>
-          <a:spcPct val="90000"/>
-        </a:lnSpc>
         <a:spcBef>
-          <a:spcPts val="500"/>
+          <a:spcPct val="20000"/>
         </a:spcBef>
         <a:buFont typeface="Arial" panose="020B0604020202020204" pitchFamily="34" charset="0"/>
         <a:buChar char="•"/>
-        <a:defRPr sz="1800" kern="1200">
+        <a:defRPr sz="2000" kern="1200">
           <a:solidFill>
             <a:schemeClr val="tx1"/>
           </a:solidFill>
@@ -2979,7 +3113,7 @@
           <a:bodyPr/>
           <a:lstStyle/>
           <a:p>
-            <a:endParaRPr lang="ru-RU"/>
+            <a:endParaRPr lang="ru-RU" dirty="0"/>
           </a:p>
         </p:txBody>
       </p:sp>
@@ -3002,10 +3136,824 @@
           </a:p>
         </p:txBody>
       </p:sp>
+      <p:sp>
+        <p:nvSpPr>
+          <p:cNvPr id="4" name="Прямоугольник 3"/>
+          <p:cNvSpPr/>
+          <p:nvPr/>
+        </p:nvSpPr>
+        <p:spPr>
+          <a:xfrm>
+            <a:off x="0" y="0"/>
+            <a:ext cx="9144000" cy="6858000"/>
+          </a:xfrm>
+          <a:prstGeom prst="rect">
+            <a:avLst/>
+          </a:prstGeom>
+        </p:spPr>
+        <p:style>
+          <a:lnRef idx="3">
+            <a:schemeClr val="lt1"/>
+          </a:lnRef>
+          <a:fillRef idx="1">
+            <a:schemeClr val="accent6"/>
+          </a:fillRef>
+          <a:effectRef idx="1">
+            <a:schemeClr val="accent6"/>
+          </a:effectRef>
+          <a:fontRef idx="minor">
+            <a:schemeClr val="lt1"/>
+          </a:fontRef>
+        </p:style>
+        <p:txBody>
+          <a:bodyPr rtlCol="0" anchor="ctr"/>
+          <a:lstStyle/>
+          <a:p>
+            <a:pPr algn="ctr"/>
+            <a:r>
+              <a:rPr lang="en-US" sz="4800" dirty="0" smtClean="0">
+                <a:latin typeface="Impact" panose="020B0806030902050204" pitchFamily="34" charset="0"/>
+              </a:rPr>
+              <a:t>2point games</a:t>
+            </a:r>
+            <a:r>
+              <a:rPr lang="ru-RU" sz="4800" dirty="0" smtClean="0">
+                <a:latin typeface="Impact" panose="020B0806030902050204" pitchFamily="34" charset="0"/>
+              </a:rPr>
+              <a:t> и их попытка перенести игру с </a:t>
+            </a:r>
+            <a:r>
+              <a:rPr lang="en-US" sz="4800" dirty="0" smtClean="0">
+                <a:latin typeface="Impact" panose="020B0806030902050204" pitchFamily="34" charset="0"/>
+              </a:rPr>
+              <a:t>unity</a:t>
+            </a:r>
+            <a:r>
+              <a:rPr lang="ru-RU" sz="4800" dirty="0" smtClean="0">
+                <a:latin typeface="Impact" panose="020B0806030902050204" pitchFamily="34" charset="0"/>
+              </a:rPr>
+              <a:t> на </a:t>
+            </a:r>
+            <a:r>
+              <a:rPr lang="en-US" sz="4800" dirty="0" smtClean="0">
+                <a:latin typeface="Impact" panose="020B0806030902050204" pitchFamily="34" charset="0"/>
+              </a:rPr>
+              <a:t>python</a:t>
+            </a:r>
+            <a:br>
+              <a:rPr lang="en-US" sz="4800" dirty="0" smtClean="0">
+                <a:latin typeface="Impact" panose="020B0806030902050204" pitchFamily="34" charset="0"/>
+              </a:rPr>
+            </a:br>
+            <a:r>
+              <a:rPr lang="en-US" sz="4800" dirty="0" smtClean="0">
+                <a:latin typeface="Impact" panose="020B0806030902050204" pitchFamily="34" charset="0"/>
+              </a:rPr>
+              <a:t>“3.14 Doors”</a:t>
+            </a:r>
+            <a:br>
+              <a:rPr lang="en-US" sz="4800" dirty="0" smtClean="0">
+                <a:latin typeface="Impact" panose="020B0806030902050204" pitchFamily="34" charset="0"/>
+              </a:rPr>
+            </a:br>
+            <a:r>
+              <a:rPr lang="en-US" dirty="0" smtClean="0"/>
+              <a:t/>
+            </a:r>
+            <a:br>
+              <a:rPr lang="en-US" dirty="0" smtClean="0"/>
+            </a:br>
+            <a:r>
+              <a:rPr lang="en-US" dirty="0" smtClean="0"/>
+              <a:t/>
+            </a:r>
+            <a:br>
+              <a:rPr lang="en-US" dirty="0" smtClean="0"/>
+            </a:br>
+            <a:r>
+              <a:rPr lang="en-US" dirty="0" smtClean="0"/>
+              <a:t/>
+            </a:r>
+            <a:br>
+              <a:rPr lang="en-US" dirty="0" smtClean="0"/>
+            </a:br>
+            <a:endParaRPr lang="ru-RU" dirty="0"/>
+          </a:p>
+        </p:txBody>
+      </p:sp>
+      <p:sp>
+        <p:nvSpPr>
+          <p:cNvPr id="5" name="Скругленный прямоугольник 4"/>
+          <p:cNvSpPr/>
+          <p:nvPr/>
+        </p:nvSpPr>
+        <p:spPr>
+          <a:xfrm>
+            <a:off x="5364088" y="4581128"/>
+            <a:ext cx="3672408" cy="2160240"/>
+          </a:xfrm>
+          <a:prstGeom prst="roundRect">
+            <a:avLst/>
+          </a:prstGeom>
+        </p:spPr>
+        <p:style>
+          <a:lnRef idx="3">
+            <a:schemeClr val="lt1"/>
+          </a:lnRef>
+          <a:fillRef idx="1">
+            <a:schemeClr val="accent5"/>
+          </a:fillRef>
+          <a:effectRef idx="1">
+            <a:schemeClr val="accent5"/>
+          </a:effectRef>
+          <a:fontRef idx="minor">
+            <a:schemeClr val="lt1"/>
+          </a:fontRef>
+        </p:style>
+        <p:txBody>
+          <a:bodyPr rtlCol="0" anchor="ctr"/>
+          <a:lstStyle/>
+          <a:p>
+            <a:pPr algn="ctr"/>
+            <a:r>
+              <a:rPr lang="ru-RU" sz="2400" dirty="0" smtClean="0">
+                <a:latin typeface="Impact" panose="020B0806030902050204" pitchFamily="34" charset="0"/>
+              </a:rPr>
+              <a:t>Подготовили</a:t>
+            </a:r>
+            <a:br>
+              <a:rPr lang="ru-RU" sz="2400" dirty="0" smtClean="0">
+                <a:latin typeface="Impact" panose="020B0806030902050204" pitchFamily="34" charset="0"/>
+              </a:rPr>
+            </a:br>
+            <a:r>
+              <a:rPr lang="ru-RU" sz="2400" dirty="0" smtClean="0">
+                <a:latin typeface="Impact" panose="020B0806030902050204" pitchFamily="34" charset="0"/>
+              </a:rPr>
+              <a:t>Георгий Соколов</a:t>
+            </a:r>
+            <a:br>
+              <a:rPr lang="ru-RU" sz="2400" dirty="0" smtClean="0">
+                <a:latin typeface="Impact" panose="020B0806030902050204" pitchFamily="34" charset="0"/>
+              </a:rPr>
+            </a:br>
+            <a:r>
+              <a:rPr lang="ru-RU" sz="2400" dirty="0" smtClean="0">
+                <a:latin typeface="Impact" panose="020B0806030902050204" pitchFamily="34" charset="0"/>
+              </a:rPr>
+              <a:t>и</a:t>
+            </a:r>
+            <a:br>
+              <a:rPr lang="ru-RU" sz="2400" dirty="0" smtClean="0">
+                <a:latin typeface="Impact" panose="020B0806030902050204" pitchFamily="34" charset="0"/>
+              </a:rPr>
+            </a:br>
+            <a:r>
+              <a:rPr lang="ru-RU" sz="2400" dirty="0" smtClean="0">
+                <a:latin typeface="Impact" panose="020B0806030902050204" pitchFamily="34" charset="0"/>
+              </a:rPr>
+              <a:t>Владислав </a:t>
+            </a:r>
+            <a:r>
+              <a:rPr lang="ru-RU" sz="2400" dirty="0" err="1" smtClean="0">
+                <a:latin typeface="Impact" panose="020B0806030902050204" pitchFamily="34" charset="0"/>
+              </a:rPr>
+              <a:t>Лайхтман</a:t>
+            </a:r>
+            <a:endParaRPr lang="ru-RU" sz="2400" dirty="0">
+              <a:latin typeface="Impact" panose="020B0806030902050204" pitchFamily="34" charset="0"/>
+            </a:endParaRPr>
+          </a:p>
+        </p:txBody>
+      </p:sp>
+      <p:pic>
+        <p:nvPicPr>
+          <p:cNvPr id="6" name="Рисунок 5"/>
+          <p:cNvPicPr>
+            <a:picLocks noChangeAspect="1"/>
+          </p:cNvPicPr>
+          <p:nvPr/>
+        </p:nvPicPr>
+        <p:blipFill>
+          <a:blip r:embed="rId2" cstate="print">
+            <a:extLst>
+              <a:ext uri="{28A0092B-C50C-407E-A947-70E740481C1C}">
+                <a14:useLocalDpi xmlns:a14="http://schemas.microsoft.com/office/drawing/2010/main" val="0"/>
+              </a:ext>
+            </a:extLst>
+          </a:blip>
+          <a:stretch>
+            <a:fillRect/>
+          </a:stretch>
+        </p:blipFill>
+        <p:spPr>
+          <a:xfrm>
+            <a:off x="159802" y="3789040"/>
+            <a:ext cx="2753544" cy="2753544"/>
+          </a:xfrm>
+          <a:prstGeom prst="rect">
+            <a:avLst/>
+          </a:prstGeom>
+        </p:spPr>
+      </p:pic>
+      <p:sp>
+        <p:nvSpPr>
+          <p:cNvPr id="9" name="Прямоугольник 8"/>
+          <p:cNvSpPr/>
+          <p:nvPr/>
+        </p:nvSpPr>
+        <p:spPr>
+          <a:xfrm>
+            <a:off x="3503036" y="55780"/>
+            <a:ext cx="1800200" cy="1800200"/>
+          </a:xfrm>
+          <a:prstGeom prst="rect">
+            <a:avLst/>
+          </a:prstGeom>
+        </p:spPr>
+        <p:style>
+          <a:lnRef idx="2">
+            <a:schemeClr val="accent6">
+              <a:shade val="50000"/>
+            </a:schemeClr>
+          </a:lnRef>
+          <a:fillRef idx="1">
+            <a:schemeClr val="accent6"/>
+          </a:fillRef>
+          <a:effectRef idx="0">
+            <a:schemeClr val="accent6"/>
+          </a:effectRef>
+          <a:fontRef idx="minor">
+            <a:schemeClr val="lt1"/>
+          </a:fontRef>
+        </p:style>
+        <p:txBody>
+          <a:bodyPr rtlCol="0" anchor="ctr"/>
+          <a:lstStyle/>
+          <a:p>
+            <a:pPr algn="ctr"/>
+            <a:endParaRPr lang="ru-RU"/>
+          </a:p>
+        </p:txBody>
+      </p:sp>
+      <p:pic>
+        <p:nvPicPr>
+          <p:cNvPr id="7" name="Рисунок 6"/>
+          <p:cNvPicPr>
+            <a:picLocks noChangeAspect="1"/>
+          </p:cNvPicPr>
+          <p:nvPr/>
+        </p:nvPicPr>
+        <p:blipFill>
+          <a:blip r:embed="rId3" cstate="print">
+            <a:extLst>
+              <a:ext uri="{28A0092B-C50C-407E-A947-70E740481C1C}">
+                <a14:useLocalDpi xmlns:a14="http://schemas.microsoft.com/office/drawing/2010/main" val="0"/>
+              </a:ext>
+            </a:extLst>
+          </a:blip>
+          <a:stretch>
+            <a:fillRect/>
+          </a:stretch>
+        </p:blipFill>
+        <p:spPr>
+          <a:xfrm>
+            <a:off x="3563888" y="116632"/>
+            <a:ext cx="1678496" cy="1678496"/>
+          </a:xfrm>
+          <a:prstGeom prst="rect">
+            <a:avLst/>
+          </a:prstGeom>
+        </p:spPr>
+      </p:pic>
     </p:spTree>
     <p:extLst>
       <p:ext uri="{BB962C8B-B14F-4D97-AF65-F5344CB8AC3E}">
-        <p14:creationId xmlns:p14="http://schemas.microsoft.com/office/powerpoint/2010/main" val="2095112714"/>
+        <p14:creationId xmlns:p14="http://schemas.microsoft.com/office/powerpoint/2010/main" val="317165154"/>
+      </p:ext>
+    </p:extLst>
+  </p:cSld>
+  <p:clrMapOvr>
+    <a:masterClrMapping/>
+  </p:clrMapOvr>
+</p:sld>
+</file>
+
+<file path=ppt/slides/slide2.xml><?xml version="1.0" encoding="utf-8"?>
+<p:sld xmlns:a="http://schemas.openxmlformats.org/drawingml/2006/main" xmlns:r="http://schemas.openxmlformats.org/officeDocument/2006/relationships" xmlns:p="http://schemas.openxmlformats.org/presentationml/2006/main">
+  <p:cSld>
+    <p:spTree>
+      <p:nvGrpSpPr>
+        <p:cNvPr id="1" name=""/>
+        <p:cNvGrpSpPr/>
+        <p:nvPr/>
+      </p:nvGrpSpPr>
+      <p:grpSpPr>
+        <a:xfrm>
+          <a:off x="0" y="0"/>
+          <a:ext cx="0" cy="0"/>
+          <a:chOff x="0" y="0"/>
+          <a:chExt cx="0" cy="0"/>
+        </a:xfrm>
+      </p:grpSpPr>
+      <p:sp>
+        <p:nvSpPr>
+          <p:cNvPr id="2" name="Заголовок 1"/>
+          <p:cNvSpPr>
+            <a:spLocks noGrp="1"/>
+          </p:cNvSpPr>
+          <p:nvPr>
+            <p:ph type="title"/>
+          </p:nvPr>
+        </p:nvSpPr>
+        <p:spPr/>
+        <p:txBody>
+          <a:bodyPr/>
+          <a:lstStyle/>
+          <a:p>
+            <a:endParaRPr lang="ru-RU"/>
+          </a:p>
+        </p:txBody>
+      </p:sp>
+      <p:sp>
+        <p:nvSpPr>
+          <p:cNvPr id="3" name="Объект 2"/>
+          <p:cNvSpPr>
+            <a:spLocks noGrp="1"/>
+          </p:cNvSpPr>
+          <p:nvPr>
+            <p:ph idx="1"/>
+          </p:nvPr>
+        </p:nvSpPr>
+        <p:spPr/>
+        <p:txBody>
+          <a:bodyPr/>
+          <a:lstStyle/>
+          <a:p>
+            <a:endParaRPr lang="ru-RU"/>
+          </a:p>
+        </p:txBody>
+      </p:sp>
+      <p:sp>
+        <p:nvSpPr>
+          <p:cNvPr id="4" name="Прямоугольник 3"/>
+          <p:cNvSpPr/>
+          <p:nvPr/>
+        </p:nvSpPr>
+        <p:spPr>
+          <a:xfrm>
+            <a:off x="0" y="0"/>
+            <a:ext cx="9144000" cy="6858000"/>
+          </a:xfrm>
+          <a:prstGeom prst="rect">
+            <a:avLst/>
+          </a:prstGeom>
+        </p:spPr>
+        <p:style>
+          <a:lnRef idx="3">
+            <a:schemeClr val="lt1"/>
+          </a:lnRef>
+          <a:fillRef idx="1">
+            <a:schemeClr val="accent6"/>
+          </a:fillRef>
+          <a:effectRef idx="1">
+            <a:schemeClr val="accent6"/>
+          </a:effectRef>
+          <a:fontRef idx="minor">
+            <a:schemeClr val="lt1"/>
+          </a:fontRef>
+        </p:style>
+        <p:txBody>
+          <a:bodyPr rtlCol="0" anchor="ctr"/>
+          <a:lstStyle/>
+          <a:p>
+            <a:pPr algn="ctr"/>
+            <a:r>
+              <a:rPr lang="ru-RU" sz="4000" dirty="0" smtClean="0">
+                <a:latin typeface="Impact" panose="020B0806030902050204" pitchFamily="34" charset="0"/>
+              </a:rPr>
+              <a:t>После неудачной попытки сделать танки по локальной сети, мы решились перенести нашу мобильную игру с </a:t>
+            </a:r>
+            <a:r>
+              <a:rPr lang="en-US" sz="4000" dirty="0" smtClean="0">
+                <a:latin typeface="Impact" panose="020B0806030902050204" pitchFamily="34" charset="0"/>
+              </a:rPr>
+              <a:t>unity </a:t>
+            </a:r>
+            <a:r>
+              <a:rPr lang="ru-RU" sz="4000" dirty="0" smtClean="0">
+                <a:latin typeface="Impact" panose="020B0806030902050204" pitchFamily="34" charset="0"/>
+              </a:rPr>
+              <a:t>на </a:t>
+            </a:r>
+            <a:r>
+              <a:rPr lang="en-US" sz="4000" dirty="0" smtClean="0">
+                <a:latin typeface="Impact" panose="020B0806030902050204" pitchFamily="34" charset="0"/>
+              </a:rPr>
+              <a:t>python</a:t>
+            </a:r>
+            <a:r>
+              <a:rPr lang="ru-RU" sz="4000" dirty="0" smtClean="0">
+                <a:latin typeface="Impact" panose="020B0806030902050204" pitchFamily="34" charset="0"/>
+              </a:rPr>
+              <a:t>, чем и занялись, благо набор спрайтов был готов.</a:t>
+            </a:r>
+          </a:p>
+          <a:p>
+            <a:pPr algn="ctr"/>
+            <a:endParaRPr lang="ru-RU" sz="4000" dirty="0">
+              <a:latin typeface="Impact" panose="020B0806030902050204" pitchFamily="34" charset="0"/>
+            </a:endParaRPr>
+          </a:p>
+          <a:p>
+            <a:pPr algn="ctr"/>
+            <a:r>
+              <a:rPr lang="ru-RU" sz="4000" dirty="0" smtClean="0">
+                <a:latin typeface="Impact" panose="020B0806030902050204" pitchFamily="34" charset="0"/>
+              </a:rPr>
+              <a:t>Наша игра нужна для того, чтобы повеселиться и разбить монитор.</a:t>
+            </a:r>
+            <a:endParaRPr lang="ru-RU" sz="4000" dirty="0">
+              <a:latin typeface="Impact" panose="020B0806030902050204" pitchFamily="34" charset="0"/>
+            </a:endParaRPr>
+          </a:p>
+        </p:txBody>
+      </p:sp>
+    </p:spTree>
+    <p:extLst>
+      <p:ext uri="{BB962C8B-B14F-4D97-AF65-F5344CB8AC3E}">
+        <p14:creationId xmlns:p14="http://schemas.microsoft.com/office/powerpoint/2010/main" val="1611924279"/>
+      </p:ext>
+    </p:extLst>
+  </p:cSld>
+  <p:clrMapOvr>
+    <a:masterClrMapping/>
+  </p:clrMapOvr>
+</p:sld>
+</file>
+
+<file path=ppt/slides/slide3.xml><?xml version="1.0" encoding="utf-8"?>
+<p:sld xmlns:a="http://schemas.openxmlformats.org/drawingml/2006/main" xmlns:r="http://schemas.openxmlformats.org/officeDocument/2006/relationships" xmlns:p="http://schemas.openxmlformats.org/presentationml/2006/main">
+  <p:cSld>
+    <p:spTree>
+      <p:nvGrpSpPr>
+        <p:cNvPr id="1" name=""/>
+        <p:cNvGrpSpPr/>
+        <p:nvPr/>
+      </p:nvGrpSpPr>
+      <p:grpSpPr>
+        <a:xfrm>
+          <a:off x="0" y="0"/>
+          <a:ext cx="0" cy="0"/>
+          <a:chOff x="0" y="0"/>
+          <a:chExt cx="0" cy="0"/>
+        </a:xfrm>
+      </p:grpSpPr>
+      <p:sp>
+        <p:nvSpPr>
+          <p:cNvPr id="4" name="Прямоугольник 3"/>
+          <p:cNvSpPr/>
+          <p:nvPr/>
+        </p:nvSpPr>
+        <p:spPr>
+          <a:xfrm>
+            <a:off x="0" y="0"/>
+            <a:ext cx="9144000" cy="6858000"/>
+          </a:xfrm>
+          <a:prstGeom prst="rect">
+            <a:avLst/>
+          </a:prstGeom>
+        </p:spPr>
+        <p:style>
+          <a:lnRef idx="3">
+            <a:schemeClr val="lt1"/>
+          </a:lnRef>
+          <a:fillRef idx="1">
+            <a:schemeClr val="accent6"/>
+          </a:fillRef>
+          <a:effectRef idx="1">
+            <a:schemeClr val="accent6"/>
+          </a:effectRef>
+          <a:fontRef idx="minor">
+            <a:schemeClr val="lt1"/>
+          </a:fontRef>
+        </p:style>
+        <p:txBody>
+          <a:bodyPr rtlCol="0" anchor="ctr"/>
+          <a:lstStyle/>
+          <a:p>
+            <a:pPr algn="ctr"/>
+            <a:endParaRPr lang="ru-RU"/>
+          </a:p>
+        </p:txBody>
+      </p:sp>
+      <p:sp>
+        <p:nvSpPr>
+          <p:cNvPr id="2" name="Заголовок 1"/>
+          <p:cNvSpPr>
+            <a:spLocks noGrp="1"/>
+          </p:cNvSpPr>
+          <p:nvPr>
+            <p:ph type="title"/>
+          </p:nvPr>
+        </p:nvSpPr>
+        <p:spPr/>
+        <p:txBody>
+          <a:bodyPr/>
+          <a:lstStyle/>
+          <a:p>
+            <a:r>
+              <a:rPr lang="ru-RU" dirty="0" smtClean="0">
+                <a:solidFill>
+                  <a:schemeClr val="bg1"/>
+                </a:solidFill>
+                <a:latin typeface="Impact" panose="020B0806030902050204" pitchFamily="34" charset="0"/>
+              </a:rPr>
+              <a:t>Структура</a:t>
+            </a:r>
+            <a:endParaRPr lang="ru-RU" dirty="0">
+              <a:solidFill>
+                <a:schemeClr val="bg1"/>
+              </a:solidFill>
+              <a:latin typeface="Impact" panose="020B0806030902050204" pitchFamily="34" charset="0"/>
+            </a:endParaRPr>
+          </a:p>
+        </p:txBody>
+      </p:sp>
+      <p:sp>
+        <p:nvSpPr>
+          <p:cNvPr id="3" name="Объект 2"/>
+          <p:cNvSpPr>
+            <a:spLocks noGrp="1"/>
+          </p:cNvSpPr>
+          <p:nvPr>
+            <p:ph idx="1"/>
+          </p:nvPr>
+        </p:nvSpPr>
+        <p:spPr/>
+        <p:txBody>
+          <a:bodyPr>
+            <a:normAutofit fontScale="92500" lnSpcReduction="10000"/>
+          </a:bodyPr>
+          <a:lstStyle/>
+          <a:p>
+            <a:r>
+              <a:rPr lang="ru-RU" dirty="0" smtClean="0">
+                <a:solidFill>
+                  <a:schemeClr val="bg1"/>
+                </a:solidFill>
+                <a:latin typeface="Impact" panose="020B0806030902050204" pitchFamily="34" charset="0"/>
+              </a:rPr>
+              <a:t>Наш проект имеет 33 класса, большинство которых расположены в отдельных одноименных файлах. Некоторые классы могут быть расположены в одном файле, в случае, если у них схожие задачи(к примеру классы блоков). </a:t>
+            </a:r>
+          </a:p>
+          <a:p>
+            <a:r>
+              <a:rPr lang="ru-RU" dirty="0" smtClean="0">
+                <a:solidFill>
+                  <a:schemeClr val="bg1"/>
+                </a:solidFill>
+                <a:latin typeface="Impact" panose="020B0806030902050204" pitchFamily="34" charset="0"/>
+              </a:rPr>
+              <a:t>Далее классы используются в нескольких главных файлах(например файл </a:t>
+            </a:r>
+            <a:r>
+              <a:rPr lang="en-US" dirty="0" smtClean="0">
+                <a:solidFill>
+                  <a:schemeClr val="bg1"/>
+                </a:solidFill>
+                <a:latin typeface="Impact" panose="020B0806030902050204" pitchFamily="34" charset="0"/>
+              </a:rPr>
+              <a:t>Player.py </a:t>
+            </a:r>
+            <a:r>
+              <a:rPr lang="ru-RU" dirty="0" smtClean="0">
+                <a:solidFill>
+                  <a:schemeClr val="bg1"/>
+                </a:solidFill>
+                <a:latin typeface="Impact" panose="020B0806030902050204" pitchFamily="34" charset="0"/>
+              </a:rPr>
+              <a:t>в котором все классы связанные с игроком будут собираться в один рабочий файл).</a:t>
+            </a:r>
+            <a:endParaRPr lang="ru-RU" dirty="0">
+              <a:solidFill>
+                <a:schemeClr val="bg1"/>
+              </a:solidFill>
+              <a:latin typeface="Impact" panose="020B0806030902050204" pitchFamily="34" charset="0"/>
+            </a:endParaRPr>
+          </a:p>
+        </p:txBody>
+      </p:sp>
+    </p:spTree>
+    <p:extLst>
+      <p:ext uri="{BB962C8B-B14F-4D97-AF65-F5344CB8AC3E}">
+        <p14:creationId xmlns:p14="http://schemas.microsoft.com/office/powerpoint/2010/main" val="1953864655"/>
+      </p:ext>
+    </p:extLst>
+  </p:cSld>
+  <p:clrMapOvr>
+    <a:masterClrMapping/>
+  </p:clrMapOvr>
+</p:sld>
+</file>
+
+<file path=ppt/slides/slide4.xml><?xml version="1.0" encoding="utf-8"?>
+<p:sld xmlns:a="http://schemas.openxmlformats.org/drawingml/2006/main" xmlns:r="http://schemas.openxmlformats.org/officeDocument/2006/relationships" xmlns:p="http://schemas.openxmlformats.org/presentationml/2006/main">
+  <p:cSld>
+    <p:spTree>
+      <p:nvGrpSpPr>
+        <p:cNvPr id="1" name=""/>
+        <p:cNvGrpSpPr/>
+        <p:nvPr/>
+      </p:nvGrpSpPr>
+      <p:grpSpPr>
+        <a:xfrm>
+          <a:off x="0" y="0"/>
+          <a:ext cx="0" cy="0"/>
+          <a:chOff x="0" y="0"/>
+          <a:chExt cx="0" cy="0"/>
+        </a:xfrm>
+      </p:grpSpPr>
+      <p:sp>
+        <p:nvSpPr>
+          <p:cNvPr id="4" name="Прямоугольник 3"/>
+          <p:cNvSpPr/>
+          <p:nvPr/>
+        </p:nvSpPr>
+        <p:spPr>
+          <a:xfrm>
+            <a:off x="0" y="0"/>
+            <a:ext cx="9144000" cy="6858000"/>
+          </a:xfrm>
+          <a:prstGeom prst="rect">
+            <a:avLst/>
+          </a:prstGeom>
+        </p:spPr>
+        <p:style>
+          <a:lnRef idx="3">
+            <a:schemeClr val="lt1"/>
+          </a:lnRef>
+          <a:fillRef idx="1">
+            <a:schemeClr val="accent6"/>
+          </a:fillRef>
+          <a:effectRef idx="1">
+            <a:schemeClr val="accent6"/>
+          </a:effectRef>
+          <a:fontRef idx="minor">
+            <a:schemeClr val="lt1"/>
+          </a:fontRef>
+        </p:style>
+        <p:txBody>
+          <a:bodyPr rtlCol="0" anchor="ctr"/>
+          <a:lstStyle/>
+          <a:p>
+            <a:pPr algn="ctr"/>
+            <a:endParaRPr lang="ru-RU"/>
+          </a:p>
+        </p:txBody>
+      </p:sp>
+      <p:sp>
+        <p:nvSpPr>
+          <p:cNvPr id="2" name="Заголовок 1"/>
+          <p:cNvSpPr>
+            <a:spLocks noGrp="1"/>
+          </p:cNvSpPr>
+          <p:nvPr>
+            <p:ph type="title"/>
+          </p:nvPr>
+        </p:nvSpPr>
+        <p:spPr/>
+        <p:txBody>
+          <a:bodyPr/>
+          <a:lstStyle/>
+          <a:p>
+            <a:r>
+              <a:rPr lang="ru-RU" dirty="0" smtClean="0">
+                <a:solidFill>
+                  <a:schemeClr val="bg1"/>
+                </a:solidFill>
+                <a:latin typeface="Impact" panose="020B0806030902050204" pitchFamily="34" charset="0"/>
+              </a:rPr>
+              <a:t>Выводы</a:t>
+            </a:r>
+            <a:endParaRPr lang="ru-RU" dirty="0">
+              <a:solidFill>
+                <a:schemeClr val="bg1"/>
+              </a:solidFill>
+              <a:latin typeface="Impact" panose="020B0806030902050204" pitchFamily="34" charset="0"/>
+            </a:endParaRPr>
+          </a:p>
+        </p:txBody>
+      </p:sp>
+      <p:sp>
+        <p:nvSpPr>
+          <p:cNvPr id="3" name="Объект 2"/>
+          <p:cNvSpPr>
+            <a:spLocks noGrp="1"/>
+          </p:cNvSpPr>
+          <p:nvPr>
+            <p:ph idx="1"/>
+          </p:nvPr>
+        </p:nvSpPr>
+        <p:spPr/>
+        <p:txBody>
+          <a:bodyPr>
+            <a:noAutofit/>
+          </a:bodyPr>
+          <a:lstStyle/>
+          <a:p>
+            <a:r>
+              <a:rPr lang="ru-RU" sz="3600" dirty="0" smtClean="0">
+                <a:solidFill>
+                  <a:schemeClr val="bg1"/>
+                </a:solidFill>
+                <a:latin typeface="Impact" panose="020B0806030902050204" pitchFamily="34" charset="0"/>
+              </a:rPr>
+              <a:t>Можно было бы подправить баги.</a:t>
+            </a:r>
+          </a:p>
+          <a:p>
+            <a:r>
+              <a:rPr lang="ru-RU" sz="3600" dirty="0" smtClean="0">
+                <a:solidFill>
+                  <a:schemeClr val="bg1"/>
+                </a:solidFill>
+                <a:latin typeface="Impact" panose="020B0806030902050204" pitchFamily="34" charset="0"/>
+              </a:rPr>
+              <a:t>Сделать нормальный экран после смерти</a:t>
+            </a:r>
+          </a:p>
+          <a:p>
+            <a:r>
+              <a:rPr lang="ru-RU" sz="3600" dirty="0" smtClean="0">
+                <a:solidFill>
+                  <a:schemeClr val="bg1"/>
+                </a:solidFill>
+                <a:latin typeface="Impact" panose="020B0806030902050204" pitchFamily="34" charset="0"/>
+              </a:rPr>
+              <a:t>Убрать артефакты со спрайтов</a:t>
+            </a:r>
+          </a:p>
+          <a:p>
+            <a:r>
+              <a:rPr lang="ru-RU" sz="3600" dirty="0" smtClean="0">
+                <a:solidFill>
+                  <a:schemeClr val="bg1"/>
+                </a:solidFill>
+                <a:latin typeface="Impact" panose="020B0806030902050204" pitchFamily="34" charset="0"/>
+              </a:rPr>
+              <a:t>Сделать конструктор более красивым</a:t>
+            </a:r>
+          </a:p>
+          <a:p>
+            <a:r>
+              <a:rPr lang="ru-RU" sz="3600" dirty="0" smtClean="0">
+                <a:solidFill>
+                  <a:schemeClr val="bg1"/>
+                </a:solidFill>
+                <a:latin typeface="Impact" panose="020B0806030902050204" pitchFamily="34" charset="0"/>
+              </a:rPr>
+              <a:t>Написать собственную </a:t>
+            </a:r>
+            <a:r>
+              <a:rPr lang="ru-RU" sz="3600" dirty="0" err="1" smtClean="0">
+                <a:solidFill>
+                  <a:schemeClr val="bg1"/>
+                </a:solidFill>
+                <a:latin typeface="Impact" panose="020B0806030902050204" pitchFamily="34" charset="0"/>
+              </a:rPr>
+              <a:t>музычку</a:t>
+            </a:r>
+            <a:endParaRPr lang="ru-RU" sz="3600" dirty="0" smtClean="0">
+              <a:solidFill>
+                <a:schemeClr val="bg1"/>
+              </a:solidFill>
+              <a:latin typeface="Impact" panose="020B0806030902050204" pitchFamily="34" charset="0"/>
+            </a:endParaRPr>
+          </a:p>
+          <a:p>
+            <a:r>
+              <a:rPr lang="ru-RU" sz="3600" dirty="0" smtClean="0">
+                <a:solidFill>
+                  <a:schemeClr val="bg1"/>
+                </a:solidFill>
+                <a:latin typeface="Impact" panose="020B0806030902050204" pitchFamily="34" charset="0"/>
+              </a:rPr>
+              <a:t>Сделать босса</a:t>
+            </a:r>
+            <a:endParaRPr lang="ru-RU" sz="3600" dirty="0">
+              <a:solidFill>
+                <a:schemeClr val="bg1"/>
+              </a:solidFill>
+              <a:latin typeface="Impact" panose="020B0806030902050204" pitchFamily="34" charset="0"/>
+            </a:endParaRPr>
+          </a:p>
+        </p:txBody>
+      </p:sp>
+    </p:spTree>
+    <p:extLst>
+      <p:ext uri="{BB962C8B-B14F-4D97-AF65-F5344CB8AC3E}">
+        <p14:creationId xmlns:p14="http://schemas.microsoft.com/office/powerpoint/2010/main" val="3886632942"/>
       </p:ext>
     </p:extLst>
   </p:cSld>
@@ -3026,44 +3974,44 @@
         <a:sysClr val="window" lastClr="FFFFFF"/>
       </a:lt1>
       <a:dk2>
-        <a:srgbClr val="44546A"/>
+        <a:srgbClr val="1F497D"/>
       </a:dk2>
       <a:lt2>
-        <a:srgbClr val="E7E6E6"/>
+        <a:srgbClr val="EEECE1"/>
       </a:lt2>
       <a:accent1>
-        <a:srgbClr val="5B9BD5"/>
+        <a:srgbClr val="4F81BD"/>
       </a:accent1>
       <a:accent2>
-        <a:srgbClr val="ED7D31"/>
+        <a:srgbClr val="C0504D"/>
       </a:accent2>
       <a:accent3>
-        <a:srgbClr val="A5A5A5"/>
+        <a:srgbClr val="9BBB59"/>
       </a:accent3>
       <a:accent4>
-        <a:srgbClr val="FFC000"/>
+        <a:srgbClr val="8064A2"/>
       </a:accent4>
       <a:accent5>
-        <a:srgbClr val="4472C4"/>
+        <a:srgbClr val="4BACC6"/>
       </a:accent5>
       <a:accent6>
-        <a:srgbClr val="70AD47"/>
+        <a:srgbClr val="F79646"/>
       </a:accent6>
       <a:hlink>
-        <a:srgbClr val="0563C1"/>
+        <a:srgbClr val="0000FF"/>
       </a:hlink>
       <a:folHlink>
-        <a:srgbClr val="954F72"/>
+        <a:srgbClr val="800080"/>
       </a:folHlink>
     </a:clrScheme>
     <a:fontScheme name="Стандартная">
       <a:majorFont>
-        <a:latin typeface="Calibri Light" panose="020F0302020204030204"/>
+        <a:latin typeface="Calibri"/>
         <a:ea typeface=""/>
         <a:cs typeface=""/>
-        <a:font script="Jpan" typeface="游ゴシック Light"/>
+        <a:font script="Jpan" typeface="ＭＳ Ｐゴシック"/>
         <a:font script="Hang" typeface="맑은 고딕"/>
-        <a:font script="Hans" typeface="等线 Light"/>
+        <a:font script="Hans" typeface="宋体"/>
         <a:font script="Hant" typeface="新細明體"/>
         <a:font script="Arab" typeface="Times New Roman"/>
         <a:font script="Hebr" typeface="Times New Roman"/>
@@ -3093,12 +4041,12 @@
         <a:font script="Geor" typeface="Sylfaen"/>
       </a:majorFont>
       <a:minorFont>
-        <a:latin typeface="Calibri" panose="020F0502020204030204"/>
+        <a:latin typeface="Calibri"/>
         <a:ea typeface=""/>
         <a:cs typeface=""/>
-        <a:font script="Jpan" typeface="游ゴシック"/>
+        <a:font script="Jpan" typeface="ＭＳ Ｐゴシック"/>
         <a:font script="Hang" typeface="맑은 고딕"/>
-        <a:font script="Hans" typeface="等线"/>
+        <a:font script="Hans" typeface="宋体"/>
         <a:font script="Hant" typeface="新細明體"/>
         <a:font script="Arab" typeface="Arial"/>
         <a:font script="Hebr" typeface="Arial"/>
@@ -3137,141 +4085,165 @@
           <a:gsLst>
             <a:gs pos="0">
               <a:schemeClr val="phClr">
-                <a:lumMod val="110000"/>
-                <a:satMod val="105000"/>
-                <a:tint val="67000"/>
+                <a:tint val="50000"/>
+                <a:satMod val="300000"/>
               </a:schemeClr>
             </a:gs>
-            <a:gs pos="50000">
+            <a:gs pos="35000">
               <a:schemeClr val="phClr">
-                <a:lumMod val="105000"/>
-                <a:satMod val="103000"/>
-                <a:tint val="73000"/>
+                <a:tint val="37000"/>
+                <a:satMod val="300000"/>
               </a:schemeClr>
             </a:gs>
             <a:gs pos="100000">
               <a:schemeClr val="phClr">
-                <a:lumMod val="105000"/>
-                <a:satMod val="109000"/>
-                <a:tint val="81000"/>
+                <a:tint val="15000"/>
+                <a:satMod val="350000"/>
               </a:schemeClr>
             </a:gs>
           </a:gsLst>
-          <a:lin ang="5400000" scaled="0"/>
+          <a:lin ang="16200000" scaled="1"/>
         </a:gradFill>
         <a:gradFill rotWithShape="1">
           <a:gsLst>
             <a:gs pos="0">
               <a:schemeClr val="phClr">
-                <a:satMod val="103000"/>
-                <a:lumMod val="102000"/>
-                <a:tint val="94000"/>
+                <a:shade val="51000"/>
+                <a:satMod val="130000"/>
               </a:schemeClr>
             </a:gs>
-            <a:gs pos="50000">
+            <a:gs pos="80000">
               <a:schemeClr val="phClr">
-                <a:satMod val="110000"/>
-                <a:lumMod val="100000"/>
-                <a:shade val="100000"/>
+                <a:shade val="93000"/>
+                <a:satMod val="130000"/>
               </a:schemeClr>
             </a:gs>
             <a:gs pos="100000">
               <a:schemeClr val="phClr">
-                <a:lumMod val="99000"/>
-                <a:satMod val="120000"/>
-                <a:shade val="78000"/>
+                <a:shade val="94000"/>
+                <a:satMod val="135000"/>
               </a:schemeClr>
             </a:gs>
           </a:gsLst>
-          <a:lin ang="5400000" scaled="0"/>
+          <a:lin ang="16200000" scaled="0"/>
         </a:gradFill>
       </a:fillStyleLst>
       <a:lnStyleLst>
-        <a:ln w="6350" cap="flat" cmpd="sng" algn="ctr">
+        <a:ln w="9525" cap="flat" cmpd="sng" algn="ctr">
+          <a:solidFill>
+            <a:schemeClr val="phClr">
+              <a:shade val="95000"/>
+              <a:satMod val="105000"/>
+            </a:schemeClr>
+          </a:solidFill>
+          <a:prstDash val="solid"/>
+        </a:ln>
+        <a:ln w="25400" cap="flat" cmpd="sng" algn="ctr">
           <a:solidFill>
             <a:schemeClr val="phClr"/>
           </a:solidFill>
           <a:prstDash val="solid"/>
-          <a:miter lim="800000"/>
         </a:ln>
-        <a:ln w="12700" cap="flat" cmpd="sng" algn="ctr">
+        <a:ln w="38100" cap="flat" cmpd="sng" algn="ctr">
           <a:solidFill>
             <a:schemeClr val="phClr"/>
           </a:solidFill>
           <a:prstDash val="solid"/>
-          <a:miter lim="800000"/>
-        </a:ln>
-        <a:ln w="19050" cap="flat" cmpd="sng" algn="ctr">
-          <a:solidFill>
-            <a:schemeClr val="phClr"/>
-          </a:solidFill>
-          <a:prstDash val="solid"/>
-          <a:miter lim="800000"/>
         </a:ln>
       </a:lnStyleLst>
       <a:effectStyleLst>
         <a:effectStyle>
-          <a:effectLst/>
-        </a:effectStyle>
-        <a:effectStyle>
-          <a:effectLst/>
+          <a:effectLst>
+            <a:outerShdw blurRad="40000" dist="20000" dir="5400000" rotWithShape="0">
+              <a:srgbClr val="000000">
+                <a:alpha val="38000"/>
+              </a:srgbClr>
+            </a:outerShdw>
+          </a:effectLst>
         </a:effectStyle>
         <a:effectStyle>
           <a:effectLst>
-            <a:outerShdw blurRad="57150" dist="19050" dir="5400000" algn="ctr" rotWithShape="0">
+            <a:outerShdw blurRad="40000" dist="23000" dir="5400000" rotWithShape="0">
               <a:srgbClr val="000000">
-                <a:alpha val="63000"/>
+                <a:alpha val="35000"/>
               </a:srgbClr>
             </a:outerShdw>
           </a:effectLst>
+        </a:effectStyle>
+        <a:effectStyle>
+          <a:effectLst>
+            <a:outerShdw blurRad="40000" dist="23000" dir="5400000" rotWithShape="0">
+              <a:srgbClr val="000000">
+                <a:alpha val="35000"/>
+              </a:srgbClr>
+            </a:outerShdw>
+          </a:effectLst>
+          <a:scene3d>
+            <a:camera prst="orthographicFront">
+              <a:rot lat="0" lon="0" rev="0"/>
+            </a:camera>
+            <a:lightRig rig="threePt" dir="t">
+              <a:rot lat="0" lon="0" rev="1200000"/>
+            </a:lightRig>
+          </a:scene3d>
+          <a:sp3d>
+            <a:bevelT w="63500" h="25400"/>
+          </a:sp3d>
         </a:effectStyle>
       </a:effectStyleLst>
       <a:bgFillStyleLst>
         <a:solidFill>
           <a:schemeClr val="phClr"/>
         </a:solidFill>
-        <a:solidFill>
-          <a:schemeClr val="phClr">
-            <a:tint val="95000"/>
-            <a:satMod val="170000"/>
-          </a:schemeClr>
-        </a:solidFill>
         <a:gradFill rotWithShape="1">
           <a:gsLst>
             <a:gs pos="0">
               <a:schemeClr val="phClr">
-                <a:tint val="93000"/>
-                <a:satMod val="150000"/>
-                <a:shade val="98000"/>
-                <a:lumMod val="102000"/>
+                <a:tint val="40000"/>
+                <a:satMod val="350000"/>
               </a:schemeClr>
             </a:gs>
-            <a:gs pos="50000">
+            <a:gs pos="40000">
               <a:schemeClr val="phClr">
-                <a:tint val="98000"/>
-                <a:satMod val="130000"/>
-                <a:shade val="90000"/>
-                <a:lumMod val="103000"/>
+                <a:tint val="45000"/>
+                <a:shade val="99000"/>
+                <a:satMod val="350000"/>
               </a:schemeClr>
             </a:gs>
             <a:gs pos="100000">
               <a:schemeClr val="phClr">
-                <a:shade val="63000"/>
-                <a:satMod val="120000"/>
+                <a:shade val="20000"/>
+                <a:satMod val="255000"/>
               </a:schemeClr>
             </a:gs>
           </a:gsLst>
-          <a:lin ang="5400000" scaled="0"/>
+          <a:path path="circle">
+            <a:fillToRect l="50000" t="-80000" r="50000" b="180000"/>
+          </a:path>
+        </a:gradFill>
+        <a:gradFill rotWithShape="1">
+          <a:gsLst>
+            <a:gs pos="0">
+              <a:schemeClr val="phClr">
+                <a:tint val="80000"/>
+                <a:satMod val="300000"/>
+              </a:schemeClr>
+            </a:gs>
+            <a:gs pos="100000">
+              <a:schemeClr val="phClr">
+                <a:shade val="30000"/>
+                <a:satMod val="200000"/>
+              </a:schemeClr>
+            </a:gs>
+          </a:gsLst>
+          <a:path path="circle">
+            <a:fillToRect l="50000" t="50000" r="50000" b="50000"/>
+          </a:path>
         </a:gradFill>
       </a:bgFillStyleLst>
     </a:fmtScheme>
   </a:themeElements>
   <a:objectDefaults/>
   <a:extraClrSchemeLst/>
-  <a:extLst>
-    <a:ext uri="{05A4C25C-085E-4340-85A3-A5531E510DB2}">
-      <thm15:themeFamily xmlns:thm15="http://schemas.microsoft.com/office/thememl/2012/main" name="Office Theme" id="{62F939B6-93AF-4DB8-9C6B-D6C7DFDC589F}" vid="{4A3C46E8-61CC-4603-A589-7422A47A8E4A}"/>
-    </a:ext>
-  </a:extLst>
 </a:theme>
 </file>
--- a/Trash/Выступление.pptx
+++ b/Trash/Выступление.pptx
@@ -107,6 +107,22 @@
       </a:defRPr>
     </a:lvl9pPr>
   </p:defaultTextStyle>
+  <p:extLst>
+    <p:ext uri="{EFAFB233-063F-42B5-8137-9DF3F51BA10A}">
+      <p15:sldGuideLst xmlns:p15="http://schemas.microsoft.com/office/powerpoint/2012/main">
+        <p15:guide id="1" orient="horz" pos="2160">
+          <p15:clr>
+            <a:srgbClr val="A4A3A4"/>
+          </p15:clr>
+        </p15:guide>
+        <p15:guide id="2" pos="2880">
+          <p15:clr>
+            <a:srgbClr val="A4A3A4"/>
+          </p15:clr>
+        </p15:guide>
+      </p15:sldGuideLst>
+    </p:ext>
+  </p:extLst>
 </p:presentation>
 </file>
 
@@ -3186,19 +3202,37 @@
               <a:rPr lang="en-US" sz="4800" dirty="0" smtClean="0">
                 <a:latin typeface="Impact" panose="020B0806030902050204" pitchFamily="34" charset="0"/>
               </a:rPr>
-              <a:t>unity</a:t>
+              <a:t>Unity</a:t>
             </a:r>
             <a:r>
               <a:rPr lang="ru-RU" sz="4800" dirty="0" smtClean="0">
                 <a:latin typeface="Impact" panose="020B0806030902050204" pitchFamily="34" charset="0"/>
               </a:rPr>
-              <a:t> на </a:t>
+              <a:t> </a:t>
+            </a:r>
+            <a:r>
+              <a:rPr lang="ru-RU" sz="4800" dirty="0" smtClean="0">
+                <a:latin typeface="Impact" panose="020B0806030902050204" pitchFamily="34" charset="0"/>
+              </a:rPr>
+              <a:t>на </a:t>
+            </a:r>
+            <a:r>
+              <a:rPr lang="en-US" sz="4800" dirty="0" err="1">
+                <a:latin typeface="Impact" panose="020B0806030902050204" pitchFamily="34" charset="0"/>
+              </a:rPr>
+              <a:t>P</a:t>
+            </a:r>
+            <a:r>
+              <a:rPr lang="en-US" sz="4800" dirty="0" err="1" smtClean="0">
+                <a:latin typeface="Impact" panose="020B0806030902050204" pitchFamily="34" charset="0"/>
+              </a:rPr>
+              <a:t>ygame</a:t>
             </a:r>
             <a:r>
               <a:rPr lang="en-US" sz="4800" dirty="0" smtClean="0">
                 <a:latin typeface="Impact" panose="020B0806030902050204" pitchFamily="34" charset="0"/>
               </a:rPr>
-              <a:t>python</a:t>
+              <a:t/>
             </a:r>
             <a:br>
               <a:rPr lang="en-US" sz="4800" dirty="0" smtClean="0">
@@ -3891,10 +3925,8 @@
                 </a:solidFill>
                 <a:latin typeface="Impact" panose="020B0806030902050204" pitchFamily="34" charset="0"/>
               </a:rPr>
-              <a:t>Убрать артефакты со спрайтов</a:t>
-            </a:r>
-          </a:p>
-          <a:p>
+              <a:t>Сделать </a:t>
+            </a:r>
             <a:r>
               <a:rPr lang="ru-RU" sz="3600" dirty="0" smtClean="0">
                 <a:solidFill>
@@ -3902,7 +3934,7 @@
                 </a:solidFill>
                 <a:latin typeface="Impact" panose="020B0806030902050204" pitchFamily="34" charset="0"/>
               </a:rPr>
-              <a:t>Сделать конструктор более красивым</a:t>
+              <a:t>конструктор более красивым</a:t>
             </a:r>
           </a:p>
           <a:p>
@@ -3923,6 +3955,23 @@
                 <a:latin typeface="Impact" panose="020B0806030902050204" pitchFamily="34" charset="0"/>
               </a:rPr>
               <a:t>музычку</a:t>
+            </a:r>
+            <a:endParaRPr lang="ru-RU" sz="3600" dirty="0" smtClean="0">
+              <a:solidFill>
+                <a:schemeClr val="bg1"/>
+              </a:solidFill>
+              <a:latin typeface="Impact" panose="020B0806030902050204" pitchFamily="34" charset="0"/>
+            </a:endParaRPr>
+          </a:p>
+          <a:p>
+            <a:r>
+              <a:rPr lang="ru-RU" sz="3600" dirty="0" smtClean="0">
+                <a:solidFill>
+                  <a:schemeClr val="bg1"/>
+                </a:solidFill>
+                <a:latin typeface="Impact" panose="020B0806030902050204" pitchFamily="34" charset="0"/>
+              </a:rPr>
+              <a:t>Добавить ещё несколько ловушек</a:t>
             </a:r>
             <a:endParaRPr lang="ru-RU" sz="3600" dirty="0" smtClean="0">
               <a:solidFill>
